--- a/HurriPy.pptx
+++ b/HurriPy.pptx
@@ -5,12 +5,13 @@
     <p:sldMasterId id="2147483648" r:id="rId1"/>
   </p:sldMasterIdLst>
   <p:notesMasterIdLst>
-    <p:notesMasterId r:id="rId5"/>
+    <p:notesMasterId r:id="rId6"/>
   </p:notesMasterIdLst>
   <p:sldIdLst>
     <p:sldId id="292" r:id="rId2"/>
     <p:sldId id="293" r:id="rId3"/>
-    <p:sldId id="295" r:id="rId4"/>
+    <p:sldId id="297" r:id="rId4"/>
+    <p:sldId id="295" r:id="rId5"/>
   </p:sldIdLst>
   <p:sldSz cx="12192000" cy="6858000"/>
   <p:notesSz cx="6858000" cy="9144000"/>
@@ -3901,7 +3902,7 @@
           <a:p>
             <a:fld id="{D787FA33-36A0-4BA6-AA24-14202E5CC49F}" type="datetimeFigureOut">
               <a:rPr lang="en-US" smtClean="0"/>
-              <a:t>6/16/2020</a:t>
+              <a:t>6/20/2020</a:t>
             </a:fld>
             <a:endParaRPr lang="en-US"/>
           </a:p>
@@ -4315,7 +4316,7 @@
           <a:p>
             <a:fld id="{76390919-E38A-43AC-80A0-C781043285AC}" type="datetimeFigureOut">
               <a:rPr lang="en-US" smtClean="0"/>
-              <a:t>6/16/2020</a:t>
+              <a:t>6/20/2020</a:t>
             </a:fld>
             <a:endParaRPr lang="en-US"/>
           </a:p>
@@ -4513,7 +4514,7 @@
           <a:p>
             <a:fld id="{76390919-E38A-43AC-80A0-C781043285AC}" type="datetimeFigureOut">
               <a:rPr lang="en-US" smtClean="0"/>
-              <a:t>6/16/2020</a:t>
+              <a:t>6/20/2020</a:t>
             </a:fld>
             <a:endParaRPr lang="en-US"/>
           </a:p>
@@ -4721,7 +4722,7 @@
           <a:p>
             <a:fld id="{76390919-E38A-43AC-80A0-C781043285AC}" type="datetimeFigureOut">
               <a:rPr lang="en-US" smtClean="0"/>
-              <a:t>6/16/2020</a:t>
+              <a:t>6/20/2020</a:t>
             </a:fld>
             <a:endParaRPr lang="en-US"/>
           </a:p>
@@ -4919,7 +4920,7 @@
           <a:p>
             <a:fld id="{76390919-E38A-43AC-80A0-C781043285AC}" type="datetimeFigureOut">
               <a:rPr lang="en-US" smtClean="0"/>
-              <a:t>6/16/2020</a:t>
+              <a:t>6/20/2020</a:t>
             </a:fld>
             <a:endParaRPr lang="en-US"/>
           </a:p>
@@ -5194,7 +5195,7 @@
           <a:p>
             <a:fld id="{76390919-E38A-43AC-80A0-C781043285AC}" type="datetimeFigureOut">
               <a:rPr lang="en-US" smtClean="0"/>
-              <a:t>6/16/2020</a:t>
+              <a:t>6/20/2020</a:t>
             </a:fld>
             <a:endParaRPr lang="en-US"/>
           </a:p>
@@ -5459,7 +5460,7 @@
           <a:p>
             <a:fld id="{76390919-E38A-43AC-80A0-C781043285AC}" type="datetimeFigureOut">
               <a:rPr lang="en-US" smtClean="0"/>
-              <a:t>6/16/2020</a:t>
+              <a:t>6/20/2020</a:t>
             </a:fld>
             <a:endParaRPr lang="en-US"/>
           </a:p>
@@ -5871,7 +5872,7 @@
           <a:p>
             <a:fld id="{76390919-E38A-43AC-80A0-C781043285AC}" type="datetimeFigureOut">
               <a:rPr lang="en-US" smtClean="0"/>
-              <a:t>6/16/2020</a:t>
+              <a:t>6/20/2020</a:t>
             </a:fld>
             <a:endParaRPr lang="en-US"/>
           </a:p>
@@ -6012,7 +6013,7 @@
           <a:p>
             <a:fld id="{76390919-E38A-43AC-80A0-C781043285AC}" type="datetimeFigureOut">
               <a:rPr lang="en-US" smtClean="0"/>
-              <a:t>6/16/2020</a:t>
+              <a:t>6/20/2020</a:t>
             </a:fld>
             <a:endParaRPr lang="en-US"/>
           </a:p>
@@ -6125,7 +6126,7 @@
           <a:p>
             <a:fld id="{76390919-E38A-43AC-80A0-C781043285AC}" type="datetimeFigureOut">
               <a:rPr lang="en-US" smtClean="0"/>
-              <a:t>6/16/2020</a:t>
+              <a:t>6/20/2020</a:t>
             </a:fld>
             <a:endParaRPr lang="en-US"/>
           </a:p>
@@ -6436,7 +6437,7 @@
           <a:p>
             <a:fld id="{76390919-E38A-43AC-80A0-C781043285AC}" type="datetimeFigureOut">
               <a:rPr lang="en-US" smtClean="0"/>
-              <a:t>6/16/2020</a:t>
+              <a:t>6/20/2020</a:t>
             </a:fld>
             <a:endParaRPr lang="en-US"/>
           </a:p>
@@ -6724,7 +6725,7 @@
           <a:p>
             <a:fld id="{76390919-E38A-43AC-80A0-C781043285AC}" type="datetimeFigureOut">
               <a:rPr lang="en-US" smtClean="0"/>
-              <a:t>6/16/2020</a:t>
+              <a:t>6/20/2020</a:t>
             </a:fld>
             <a:endParaRPr lang="en-US"/>
           </a:p>
@@ -6965,7 +6966,7 @@
           <a:p>
             <a:fld id="{76390919-E38A-43AC-80A0-C781043285AC}" type="datetimeFigureOut">
               <a:rPr lang="en-US" smtClean="0"/>
-              <a:t>6/16/2020</a:t>
+              <a:t>6/20/2020</a:t>
             </a:fld>
             <a:endParaRPr lang="en-US"/>
           </a:p>
@@ -7684,7 +7685,7 @@
         <p:spPr>
           <a:xfrm>
             <a:off x="201336" y="0"/>
-            <a:ext cx="11990664" cy="6858000"/>
+            <a:ext cx="11685864" cy="6858000"/>
           </a:xfrm>
           <a:prstGeom prst="rect">
             <a:avLst/>
@@ -7714,7 +7715,7 @@
           <a:bodyPr rtlCol="0" anchor="t"/>
           <a:lstStyle/>
           <a:p>
-            <a:endParaRPr lang="en-US" sz="2400" dirty="0">
+            <a:endParaRPr lang="en-US" sz="1600" b="1" dirty="0">
               <a:solidFill>
                 <a:schemeClr val="tx1"/>
               </a:solidFill>
@@ -7722,7 +7723,7 @@
           </a:p>
           <a:p>
             <a:r>
-              <a:rPr lang="en-US" sz="2400" b="1" dirty="0">
+              <a:rPr lang="en-US" sz="1600" b="1" dirty="0">
                 <a:solidFill>
                   <a:schemeClr val="tx1"/>
                 </a:solidFill>
@@ -7730,7 +7731,7 @@
               <a:t>The study hopes to provide information regarding</a:t>
             </a:r>
             <a:r>
-              <a:rPr lang="en-US" sz="2400" dirty="0">
+              <a:rPr lang="en-US" sz="1600" dirty="0">
                 <a:solidFill>
                   <a:schemeClr val="tx1"/>
                 </a:solidFill>
@@ -7744,35 +7745,7 @@
               <a:buChar char="•"/>
             </a:pPr>
             <a:r>
-              <a:rPr lang="en-US" sz="2400" dirty="0">
-                <a:solidFill>
-                  <a:schemeClr val="tx1"/>
-                </a:solidFill>
-              </a:rPr>
-              <a:t>The onset of hurricane season and impacting factors</a:t>
-            </a:r>
-          </a:p>
-          <a:p>
-            <a:pPr marL="800100" lvl="1" indent="-342900">
-              <a:buFont typeface="Arial" panose="020B0604020202020204" pitchFamily="34" charset="0"/>
-              <a:buChar char="•"/>
-            </a:pPr>
-            <a:r>
-              <a:rPr lang="en-US" sz="2400" dirty="0">
-                <a:solidFill>
-                  <a:schemeClr val="tx1"/>
-                </a:solidFill>
-              </a:rPr>
-              <a:t>When do we usually see named storms with the letter “C”?</a:t>
-            </a:r>
-          </a:p>
-          <a:p>
-            <a:pPr marL="342900" indent="-342900">
-              <a:buFont typeface="Arial" panose="020B0604020202020204" pitchFamily="34" charset="0"/>
-              <a:buChar char="•"/>
-            </a:pPr>
-            <a:r>
-              <a:rPr lang="en-US" sz="2400" dirty="0">
+              <a:rPr lang="en-US" sz="1600" b="1" dirty="0">
                 <a:solidFill>
                   <a:schemeClr val="tx1"/>
                 </a:solidFill>
@@ -7786,12 +7759,258 @@
               <a:buChar char="•"/>
             </a:pPr>
             <a:r>
-              <a:rPr lang="en-US" sz="2400" dirty="0">
+              <a:rPr lang="en-US" sz="1600" dirty="0">
                 <a:solidFill>
                   <a:schemeClr val="tx1"/>
                 </a:solidFill>
               </a:rPr>
-              <a:t>What is the year on year change in onsets</a:t>
+              <a:t>The onset of hurricane season as it pertains to the time of the year – </a:t>
+            </a:r>
+            <a:r>
+              <a:rPr lang="en-US" sz="1600" dirty="0">
+                <a:solidFill>
+                  <a:srgbClr val="00B050"/>
+                </a:solidFill>
+              </a:rPr>
+              <a:t>Box plot </a:t>
+            </a:r>
+            <a:r>
+              <a:rPr lang="en-US" sz="1600" dirty="0">
+                <a:solidFill>
+                  <a:schemeClr val="tx1"/>
+                </a:solidFill>
+              </a:rPr>
+              <a:t>for each decade (</a:t>
+            </a:r>
+            <a:r>
+              <a:rPr lang="en-US" sz="1600" dirty="0">
+                <a:solidFill>
+                  <a:srgbClr val="FF0000"/>
+                </a:solidFill>
+              </a:rPr>
+              <a:t>OR</a:t>
+            </a:r>
+            <a:r>
+              <a:rPr lang="en-US" sz="1600" dirty="0">
+                <a:solidFill>
+                  <a:schemeClr val="tx1"/>
+                </a:solidFill>
+              </a:rPr>
+              <a:t>)</a:t>
+            </a:r>
+          </a:p>
+          <a:p>
+            <a:pPr marL="1257300" lvl="2" indent="-342900">
+              <a:buFont typeface="Arial" panose="020B0604020202020204" pitchFamily="34" charset="0"/>
+              <a:buChar char="•"/>
+            </a:pPr>
+            <a:r>
+              <a:rPr lang="en-US" sz="1600" dirty="0">
+                <a:solidFill>
+                  <a:schemeClr val="tx1"/>
+                </a:solidFill>
+              </a:rPr>
+              <a:t>Named vs. unnamed - </a:t>
+            </a:r>
+            <a:r>
+              <a:rPr lang="en-US" sz="1600" dirty="0">
+                <a:solidFill>
+                  <a:srgbClr val="00B050"/>
+                </a:solidFill>
+              </a:rPr>
+              <a:t>Stacked bar chart </a:t>
+            </a:r>
+            <a:r>
+              <a:rPr lang="en-US" sz="1600" dirty="0">
+                <a:solidFill>
+                  <a:schemeClr val="tx1"/>
+                </a:solidFill>
+              </a:rPr>
+              <a:t>(</a:t>
+            </a:r>
+            <a:r>
+              <a:rPr lang="en-US" sz="1600" dirty="0">
+                <a:solidFill>
+                  <a:srgbClr val="FF0000"/>
+                </a:solidFill>
+              </a:rPr>
+              <a:t>OR</a:t>
+            </a:r>
+            <a:r>
+              <a:rPr lang="en-US" sz="1600" dirty="0">
+                <a:solidFill>
+                  <a:schemeClr val="tx1"/>
+                </a:solidFill>
+              </a:rPr>
+              <a:t>)</a:t>
+            </a:r>
+          </a:p>
+          <a:p>
+            <a:pPr marL="800100" lvl="1" indent="-342900">
+              <a:buFont typeface="Arial" panose="020B0604020202020204" pitchFamily="34" charset="0"/>
+              <a:buChar char="•"/>
+            </a:pPr>
+            <a:r>
+              <a:rPr lang="en-US" sz="1600" dirty="0">
+                <a:solidFill>
+                  <a:schemeClr val="tx1"/>
+                </a:solidFill>
+              </a:rPr>
+              <a:t>When do we usually see named storms with the letter “C” – </a:t>
+            </a:r>
+            <a:r>
+              <a:rPr lang="en-US" sz="1600" dirty="0">
+                <a:solidFill>
+                  <a:srgbClr val="00B050"/>
+                </a:solidFill>
+              </a:rPr>
+              <a:t>Line plot </a:t>
+            </a:r>
+            <a:r>
+              <a:rPr lang="en-US" sz="1600" dirty="0">
+                <a:solidFill>
+                  <a:schemeClr val="tx1"/>
+                </a:solidFill>
+              </a:rPr>
+              <a:t>(</a:t>
+            </a:r>
+            <a:r>
+              <a:rPr lang="en-US" sz="1600" dirty="0">
+                <a:solidFill>
+                  <a:srgbClr val="FF0000"/>
+                </a:solidFill>
+              </a:rPr>
+              <a:t>OR</a:t>
+            </a:r>
+            <a:r>
+              <a:rPr lang="en-US" sz="1600" dirty="0">
+                <a:solidFill>
+                  <a:schemeClr val="tx1"/>
+                </a:solidFill>
+              </a:rPr>
+              <a:t>)</a:t>
+            </a:r>
+          </a:p>
+          <a:p>
+            <a:pPr marL="800100" lvl="1" indent="-342900">
+              <a:buFont typeface="Arial" panose="020B0604020202020204" pitchFamily="34" charset="0"/>
+              <a:buChar char="•"/>
+            </a:pPr>
+            <a:r>
+              <a:rPr lang="en-US" sz="1600" dirty="0">
+                <a:solidFill>
+                  <a:schemeClr val="tx1"/>
+                </a:solidFill>
+              </a:rPr>
+              <a:t>Storms by category level and year – </a:t>
+            </a:r>
+            <a:r>
+              <a:rPr lang="en-US" sz="1600" dirty="0">
+                <a:solidFill>
+                  <a:srgbClr val="00B050"/>
+                </a:solidFill>
+              </a:rPr>
+              <a:t>Stacked bar chart</a:t>
+            </a:r>
+            <a:r>
+              <a:rPr lang="en-US" sz="1600" dirty="0">
+                <a:solidFill>
+                  <a:schemeClr val="tx1"/>
+                </a:solidFill>
+              </a:rPr>
+              <a:t> (</a:t>
+            </a:r>
+            <a:r>
+              <a:rPr lang="en-US" sz="1600" dirty="0">
+                <a:solidFill>
+                  <a:srgbClr val="FF0000"/>
+                </a:solidFill>
+              </a:rPr>
+              <a:t>OR</a:t>
+            </a:r>
+            <a:r>
+              <a:rPr lang="en-US" sz="1600" dirty="0">
+                <a:solidFill>
+                  <a:schemeClr val="tx1"/>
+                </a:solidFill>
+              </a:rPr>
+              <a:t>)</a:t>
+            </a:r>
+          </a:p>
+          <a:p>
+            <a:pPr marL="800100" lvl="1" indent="-342900">
+              <a:buFont typeface="Arial" panose="020B0604020202020204" pitchFamily="34" charset="0"/>
+              <a:buChar char="•"/>
+            </a:pPr>
+            <a:r>
+              <a:rPr lang="en-US" sz="1600" dirty="0">
+                <a:solidFill>
+                  <a:schemeClr val="tx1"/>
+                </a:solidFill>
+              </a:rPr>
+              <a:t>The time it takes to go from a tropical storm to a hurricane </a:t>
+            </a:r>
+            <a:r>
+              <a:rPr lang="en-US" sz="1600" dirty="0">
+                <a:solidFill>
+                  <a:srgbClr val="00B050"/>
+                </a:solidFill>
+              </a:rPr>
+              <a:t>– Bar graphs </a:t>
+            </a:r>
+            <a:r>
+              <a:rPr lang="en-US" sz="1600" dirty="0">
+                <a:solidFill>
+                  <a:schemeClr val="tx1"/>
+                </a:solidFill>
+              </a:rPr>
+              <a:t>with line graph (</a:t>
+            </a:r>
+            <a:r>
+              <a:rPr lang="en-US" sz="1600" dirty="0">
+                <a:solidFill>
+                  <a:srgbClr val="FF0000"/>
+                </a:solidFill>
+              </a:rPr>
+              <a:t>OR</a:t>
+            </a:r>
+            <a:r>
+              <a:rPr lang="en-US" sz="1600" dirty="0">
+                <a:solidFill>
+                  <a:schemeClr val="tx1"/>
+                </a:solidFill>
+              </a:rPr>
+              <a:t>)</a:t>
+            </a:r>
+          </a:p>
+          <a:p>
+            <a:pPr marL="800100" lvl="1" indent="-342900">
+              <a:buFont typeface="Arial" panose="020B0604020202020204" pitchFamily="34" charset="0"/>
+              <a:buChar char="•"/>
+            </a:pPr>
+            <a:r>
+              <a:rPr lang="en-US" sz="1600" dirty="0">
+                <a:solidFill>
+                  <a:schemeClr val="tx1"/>
+                </a:solidFill>
+              </a:rPr>
+              <a:t>Predictive data modeling based on land weather station historical data (</a:t>
+            </a:r>
+            <a:r>
+              <a:rPr lang="en-US" sz="1600" dirty="0">
+                <a:solidFill>
+                  <a:srgbClr val="FF0000"/>
+                </a:solidFill>
+              </a:rPr>
+              <a:t>AG</a:t>
+            </a:r>
+            <a:r>
+              <a:rPr lang="en-US" sz="1600" dirty="0">
+                <a:solidFill>
+                  <a:schemeClr val="tx1"/>
+                </a:solidFill>
+              </a:rPr>
+              <a:t>)</a:t>
             </a:r>
           </a:p>
           <a:p>
@@ -7800,12 +8019,12 @@
               <a:buChar char="•"/>
             </a:pPr>
             <a:r>
-              <a:rPr lang="en-US" sz="2400" dirty="0">
+              <a:rPr lang="en-US" sz="1600" b="1" dirty="0">
                 <a:solidFill>
                   <a:schemeClr val="tx1"/>
                 </a:solidFill>
               </a:rPr>
-              <a:t>Demographics of hurricane hit areas:</a:t>
+              <a:t>Demographics of top 3 costliest hurricane hit areas on the mainland in the past 10 years</a:t>
             </a:r>
           </a:p>
           <a:p>
@@ -7814,12 +8033,28 @@
               <a:buChar char="•"/>
             </a:pPr>
             <a:r>
-              <a:rPr lang="en-US" sz="2400" dirty="0">
+              <a:rPr lang="en-US" sz="1600" dirty="0">
                 <a:solidFill>
                   <a:schemeClr val="tx1"/>
                 </a:solidFill>
               </a:rPr>
-              <a:t>Property values</a:t>
+              <a:t>Hurricanes: Harvey, Irma, and Sandy that all hit in 2017 - (</a:t>
+            </a:r>
+            <a:r>
+              <a:rPr lang="en-US" sz="1600" dirty="0">
+                <a:solidFill>
+                  <a:srgbClr val="FF0000"/>
+                </a:solidFill>
+              </a:rPr>
+              <a:t>SP</a:t>
+            </a:r>
+            <a:r>
+              <a:rPr lang="en-US" sz="1600" dirty="0">
+                <a:solidFill>
+                  <a:schemeClr val="tx1"/>
+                </a:solidFill>
+              </a:rPr>
+              <a:t>)</a:t>
             </a:r>
           </a:p>
           <a:p>
@@ -7828,24 +8063,197 @@
               <a:buChar char="•"/>
             </a:pPr>
             <a:r>
-              <a:rPr lang="en-US" sz="2400" dirty="0">
+              <a:rPr lang="en-US" sz="1600" dirty="0">
                 <a:solidFill>
                   <a:schemeClr val="tx1"/>
                 </a:solidFill>
               </a:rPr>
-              <a:t>Population</a:t>
-            </a:r>
-          </a:p>
-          <a:p>
-            <a:endParaRPr lang="en-US" sz="2400" dirty="0">
+              <a:t>Have damage costs being increase or decrease for the past 10 years</a:t>
+            </a:r>
+          </a:p>
+          <a:p>
+            <a:pPr marL="800100" lvl="1" indent="-342900">
+              <a:buFont typeface="Arial" panose="020B0604020202020204" pitchFamily="34" charset="0"/>
+              <a:buChar char="•"/>
+            </a:pPr>
+            <a:r>
+              <a:rPr lang="en-US" sz="1600" dirty="0">
+                <a:solidFill>
+                  <a:schemeClr val="tx1"/>
+                </a:solidFill>
+              </a:rPr>
+              <a:t>Top 3 biggest for a year and their line graph</a:t>
+            </a:r>
+          </a:p>
+          <a:p>
+            <a:pPr marL="1257300" lvl="2" indent="-342900">
+              <a:buFont typeface="Arial" panose="020B0604020202020204" pitchFamily="34" charset="0"/>
+              <a:buChar char="•"/>
+            </a:pPr>
+            <a:r>
+              <a:rPr lang="en-US" sz="1600" i="1" dirty="0">
+                <a:solidFill>
+                  <a:srgbClr val="00B050"/>
+                </a:solidFill>
+              </a:rPr>
+              <a:t>Potential </a:t>
+            </a:r>
+            <a:r>
+              <a:rPr lang="en-US" sz="1600" dirty="0">
+                <a:solidFill>
+                  <a:schemeClr val="tx1"/>
+                </a:solidFill>
+              </a:rPr>
+              <a:t>pie chart of top 10 and these top 3 as part</a:t>
+            </a:r>
+          </a:p>
+          <a:p>
+            <a:pPr marL="800100" lvl="1" indent="-342900">
+              <a:buFont typeface="Arial" panose="020B0604020202020204" pitchFamily="34" charset="0"/>
+              <a:buChar char="•"/>
+            </a:pPr>
+            <a:r>
+              <a:rPr lang="en-US" sz="1600" dirty="0">
+                <a:solidFill>
+                  <a:schemeClr val="tx1"/>
+                </a:solidFill>
+              </a:rPr>
+              <a:t>Population: Year before and year after – line graph in YOY% change (</a:t>
+            </a:r>
+            <a:r>
+              <a:rPr lang="en-US" sz="1600" dirty="0">
+                <a:solidFill>
+                  <a:srgbClr val="FF0000"/>
+                </a:solidFill>
+              </a:rPr>
+              <a:t>SP</a:t>
+            </a:r>
+            <a:r>
+              <a:rPr lang="en-US" sz="1600" dirty="0">
+                <a:solidFill>
+                  <a:schemeClr val="tx1"/>
+                </a:solidFill>
+              </a:rPr>
+              <a:t>)</a:t>
+            </a:r>
+          </a:p>
+          <a:p>
+            <a:pPr marL="800100" lvl="1" indent="-342900">
+              <a:buFont typeface="Arial" panose="020B0604020202020204" pitchFamily="34" charset="0"/>
+              <a:buChar char="•"/>
+            </a:pPr>
+            <a:r>
+              <a:rPr lang="en-US" sz="1600" dirty="0">
+                <a:solidFill>
+                  <a:schemeClr val="tx1"/>
+                </a:solidFill>
+              </a:rPr>
+              <a:t>Median home values: Year before and year after – line graph in YOY% change (</a:t>
+            </a:r>
+            <a:r>
+              <a:rPr lang="en-US" sz="1600" dirty="0">
+                <a:solidFill>
+                  <a:srgbClr val="FF0000"/>
+                </a:solidFill>
+              </a:rPr>
+              <a:t>SP</a:t>
+            </a:r>
+            <a:r>
+              <a:rPr lang="en-US" sz="1600" dirty="0">
+                <a:solidFill>
+                  <a:schemeClr val="tx1"/>
+                </a:solidFill>
+              </a:rPr>
+              <a:t>)</a:t>
+            </a:r>
+          </a:p>
+          <a:p>
+            <a:pPr marL="800100" lvl="1" indent="-342900">
+              <a:buFont typeface="Arial" panose="020B0604020202020204" pitchFamily="34" charset="0"/>
+              <a:buChar char="•"/>
+            </a:pPr>
+            <a:r>
+              <a:rPr lang="en-US" sz="1600" dirty="0">
+                <a:solidFill>
+                  <a:schemeClr val="tx1"/>
+                </a:solidFill>
+              </a:rPr>
+              <a:t>Poverty rates: Year before and year after – line graph in YOY% change (</a:t>
+            </a:r>
+            <a:r>
+              <a:rPr lang="en-US" sz="1600" dirty="0">
+                <a:solidFill>
+                  <a:srgbClr val="FF0000"/>
+                </a:solidFill>
+              </a:rPr>
+              <a:t>SP</a:t>
+            </a:r>
+            <a:r>
+              <a:rPr lang="en-US" sz="1600" dirty="0">
+                <a:solidFill>
+                  <a:schemeClr val="tx1"/>
+                </a:solidFill>
+              </a:rPr>
+              <a:t>)</a:t>
+            </a:r>
+          </a:p>
+          <a:p>
+            <a:pPr marL="342900" indent="-342900">
+              <a:buFont typeface="Arial" panose="020B0604020202020204" pitchFamily="34" charset="0"/>
+              <a:buChar char="•"/>
+            </a:pPr>
+            <a:r>
+              <a:rPr lang="en-US" sz="1600" b="1" dirty="0">
+                <a:solidFill>
+                  <a:schemeClr val="tx1"/>
+                </a:solidFill>
+              </a:rPr>
+              <a:t>Tracking a storm</a:t>
+            </a:r>
+          </a:p>
+          <a:p>
+            <a:pPr marL="800100" lvl="1" indent="-342900">
+              <a:buFont typeface="Arial" panose="020B0604020202020204" pitchFamily="34" charset="0"/>
+              <a:buChar char="•"/>
+            </a:pPr>
+            <a:r>
+              <a:rPr lang="en-US" sz="1600" dirty="0">
+                <a:solidFill>
+                  <a:schemeClr val="tx1"/>
+                </a:solidFill>
+              </a:rPr>
+              <a:t>The path of Cristobal and top 3 (</a:t>
+            </a:r>
+            <a:r>
+              <a:rPr lang="en-US" sz="1600" dirty="0">
+                <a:solidFill>
+                  <a:srgbClr val="FF0000"/>
+                </a:solidFill>
+              </a:rPr>
+              <a:t>DD &amp; ME</a:t>
+            </a:r>
+            <a:r>
+              <a:rPr lang="en-US" sz="1600" dirty="0">
+                <a:solidFill>
+                  <a:schemeClr val="tx1"/>
+                </a:solidFill>
+              </a:rPr>
+              <a:t>)</a:t>
+            </a:r>
+          </a:p>
+          <a:p>
+            <a:endParaRPr lang="en-US" sz="1600" b="1" dirty="0">
               <a:solidFill>
-                <a:schemeClr val="tx1"/>
+                <a:schemeClr val="dk1"/>
               </a:solidFill>
+              <a:ea typeface="Roboto"/>
+              <a:cs typeface="Roboto"/>
+              <a:sym typeface="Roboto"/>
             </a:endParaRPr>
           </a:p>
           <a:p>
             <a:r>
-              <a:rPr lang="en-US" sz="2400" b="1" dirty="0">
+              <a:rPr lang="en-US" sz="1600" b="1" dirty="0">
                 <a:solidFill>
                   <a:schemeClr val="dk1"/>
                 </a:solidFill>
@@ -7856,7 +8264,7 @@
               <a:t>Rough breakdown of tasks</a:t>
             </a:r>
             <a:r>
-              <a:rPr lang="en-US" sz="2400" dirty="0">
+              <a:rPr lang="en-US" sz="1600" dirty="0">
                 <a:solidFill>
                   <a:schemeClr val="dk1"/>
                 </a:solidFill>
@@ -7873,7 +8281,7 @@
               <a:buChar char="•"/>
             </a:pPr>
             <a:r>
-              <a:rPr lang="en-US" sz="2400" dirty="0">
+              <a:rPr lang="en-US" sz="1600" dirty="0">
                 <a:solidFill>
                   <a:schemeClr val="dk1"/>
                 </a:solidFill>
@@ -7890,7 +8298,7 @@
               <a:buChar char="•"/>
             </a:pPr>
             <a:r>
-              <a:rPr lang="en-US" sz="2400" dirty="0">
+              <a:rPr lang="en-US" sz="1600" dirty="0">
                 <a:solidFill>
                   <a:schemeClr val="dk1"/>
                 </a:solidFill>
@@ -7898,7 +8306,7 @@
                 <a:cs typeface="Roboto"/>
                 <a:sym typeface="Roboto"/>
               </a:rPr>
-              <a:t>Data collection</a:t>
+              <a:t>Data sources and collection</a:t>
             </a:r>
           </a:p>
           <a:p>
@@ -7907,7 +8315,7 @@
               <a:buChar char="•"/>
             </a:pPr>
             <a:r>
-              <a:rPr lang="en-US" sz="2400" dirty="0">
+              <a:rPr lang="en-US" sz="1600" dirty="0">
                 <a:solidFill>
                   <a:schemeClr val="dk1"/>
                 </a:solidFill>
@@ -7924,7 +8332,7 @@
               <a:buChar char="•"/>
             </a:pPr>
             <a:r>
-              <a:rPr lang="en-US" sz="2400" dirty="0">
+              <a:rPr lang="en-US" sz="1600" dirty="0">
                 <a:solidFill>
                   <a:schemeClr val="dk1"/>
                 </a:solidFill>
@@ -7941,7 +8349,7 @@
               <a:buChar char="•"/>
             </a:pPr>
             <a:r>
-              <a:rPr lang="en-US" sz="2400" dirty="0">
+              <a:rPr lang="en-US" sz="1600" dirty="0">
                 <a:solidFill>
                   <a:schemeClr val="dk1"/>
                 </a:solidFill>
@@ -7949,21 +8357,7 @@
               </a:rPr>
               <a:t>Conclusions and summary</a:t>
             </a:r>
-            <a:endParaRPr lang="en-US" sz="2400" dirty="0">
-              <a:solidFill>
-                <a:schemeClr val="tx1"/>
-              </a:solidFill>
-            </a:endParaRPr>
-          </a:p>
-          <a:p>
-            <a:endParaRPr lang="en-US" sz="2400" dirty="0">
-              <a:solidFill>
-                <a:schemeClr val="tx1"/>
-              </a:solidFill>
-            </a:endParaRPr>
-          </a:p>
-          <a:p>
-            <a:endParaRPr lang="en-US" sz="2400" dirty="0">
+            <a:endParaRPr lang="en-US" sz="1600" dirty="0">
               <a:solidFill>
                 <a:schemeClr val="tx1"/>
               </a:solidFill>
@@ -7985,6 +8379,152 @@
 </file>
 
 <file path=ppt/slides/slide3.xml><?xml version="1.0" encoding="utf-8"?>
+<p:sld xmlns:a="http://schemas.openxmlformats.org/drawingml/2006/main" xmlns:r="http://schemas.openxmlformats.org/officeDocument/2006/relationships" xmlns:p="http://schemas.openxmlformats.org/presentationml/2006/main">
+  <p:cSld>
+    <p:spTree>
+      <p:nvGrpSpPr>
+        <p:cNvPr id="1" name=""/>
+        <p:cNvGrpSpPr/>
+        <p:nvPr/>
+      </p:nvGrpSpPr>
+      <p:grpSpPr>
+        <a:xfrm>
+          <a:off x="0" y="0"/>
+          <a:ext cx="0" cy="0"/>
+          <a:chOff x="0" y="0"/>
+          <a:chExt cx="0" cy="0"/>
+        </a:xfrm>
+      </p:grpSpPr>
+      <p:sp>
+        <p:nvSpPr>
+          <p:cNvPr id="2" name="Rectangle 1">
+            <a:extLst>
+              <a:ext uri="{FF2B5EF4-FFF2-40B4-BE49-F238E27FC236}">
+                <a16:creationId xmlns:a16="http://schemas.microsoft.com/office/drawing/2014/main" id="{FEC9B834-5412-404E-96AF-826F2A1FA0F6}"/>
+              </a:ext>
+            </a:extLst>
+          </p:cNvPr>
+          <p:cNvSpPr/>
+          <p:nvPr/>
+        </p:nvSpPr>
+        <p:spPr>
+          <a:xfrm>
+            <a:off x="201336" y="494950"/>
+            <a:ext cx="11283192" cy="6363050"/>
+          </a:xfrm>
+          <a:prstGeom prst="rect">
+            <a:avLst/>
+          </a:prstGeom>
+          <a:noFill/>
+          <a:ln>
+            <a:noFill/>
+          </a:ln>
+        </p:spPr>
+        <p:style>
+          <a:lnRef idx="2">
+            <a:schemeClr val="accent1">
+              <a:shade val="50000"/>
+            </a:schemeClr>
+          </a:lnRef>
+          <a:fillRef idx="1">
+            <a:schemeClr val="accent1"/>
+          </a:fillRef>
+          <a:effectRef idx="0">
+            <a:schemeClr val="accent1"/>
+          </a:effectRef>
+          <a:fontRef idx="minor">
+            <a:schemeClr val="lt1"/>
+          </a:fontRef>
+        </p:style>
+        <p:txBody>
+          <a:bodyPr rtlCol="0" anchor="t"/>
+          <a:lstStyle/>
+          <a:p>
+            <a:r>
+              <a:rPr lang="en-US" sz="2400" dirty="0">
+                <a:solidFill>
+                  <a:schemeClr val="tx1"/>
+                </a:solidFill>
+              </a:rPr>
+              <a:t>Types of charts:</a:t>
+            </a:r>
+          </a:p>
+          <a:p>
+            <a:r>
+              <a:rPr lang="en-US" sz="2400" dirty="0">
+                <a:solidFill>
+                  <a:schemeClr val="tx1"/>
+                </a:solidFill>
+              </a:rPr>
+              <a:t>Bar chart for property values</a:t>
+            </a:r>
+          </a:p>
+          <a:p>
+            <a:r>
+              <a:rPr lang="en-US" sz="2400" dirty="0">
+                <a:solidFill>
+                  <a:schemeClr val="tx1"/>
+                </a:solidFill>
+              </a:rPr>
+              <a:t>Line graph for population</a:t>
+            </a:r>
+          </a:p>
+          <a:p>
+            <a:r>
+              <a:rPr lang="en-US" sz="2400" dirty="0">
+                <a:solidFill>
+                  <a:schemeClr val="tx1"/>
+                </a:solidFill>
+              </a:rPr>
+              <a:t>Scatter for C storms</a:t>
+            </a:r>
+          </a:p>
+          <a:p>
+            <a:r>
+              <a:rPr lang="en-US" sz="2400" dirty="0">
+                <a:solidFill>
+                  <a:schemeClr val="tx1"/>
+                </a:solidFill>
+              </a:rPr>
+              <a:t>Scatter by size based on costliest storm with heatmap of landfalls</a:t>
+            </a:r>
+          </a:p>
+          <a:p>
+            <a:r>
+              <a:rPr lang="en-US" sz="2400" dirty="0">
+                <a:solidFill>
+                  <a:schemeClr val="tx1"/>
+                </a:solidFill>
+              </a:rPr>
+              <a:t>Heatmap for Path of Cristobal</a:t>
+            </a:r>
+          </a:p>
+          <a:p>
+            <a:r>
+              <a:rPr lang="en-US" sz="2400" dirty="0">
+                <a:solidFill>
+                  <a:schemeClr val="tx1"/>
+                </a:solidFill>
+              </a:rPr>
+              <a:t>Scatter of temperature of water in Gulf of Mexico with linear regression</a:t>
+            </a:r>
+          </a:p>
+        </p:txBody>
+      </p:sp>
+    </p:spTree>
+    <p:extLst>
+      <p:ext uri="{BB962C8B-B14F-4D97-AF65-F5344CB8AC3E}">
+        <p14:creationId xmlns:p14="http://schemas.microsoft.com/office/powerpoint/2010/main" val="2124669152"/>
+      </p:ext>
+    </p:extLst>
+  </p:cSld>
+  <p:clrMapOvr>
+    <a:masterClrMapping/>
+  </p:clrMapOvr>
+</p:sld>
+</file>
+
+<file path=ppt/slides/slide4.xml><?xml version="1.0" encoding="utf-8"?>
 <p:sld xmlns:a="http://schemas.openxmlformats.org/drawingml/2006/main" xmlns:r="http://schemas.openxmlformats.org/officeDocument/2006/relationships" xmlns:p="http://schemas.openxmlformats.org/presentationml/2006/main">
   <p:cSld>
     <p:spTree>
@@ -8139,6 +8679,39 @@
           </a:p>
           <a:p>
             <a:r>
+              <a:rPr lang="en-US" sz="2400" dirty="0">
+                <a:solidFill>
+                  <a:schemeClr val="tx1"/>
+                </a:solidFill>
+              </a:rPr>
+              <a:t>TA:</a:t>
+            </a:r>
+          </a:p>
+          <a:p>
+            <a:r>
+              <a:rPr lang="en-US" sz="2400" dirty="0">
+                <a:solidFill>
+                  <a:schemeClr val="tx1"/>
+                </a:solidFill>
+                <a:hlinkClick r:id="rId7"/>
+              </a:rPr>
+              <a:t>https://www.census.gov/data/developers/data-sets/business-dynamics.html</a:t>
+            </a:r>
+            <a:endParaRPr lang="en-US" sz="2400" dirty="0">
+              <a:solidFill>
+                <a:schemeClr val="tx1"/>
+              </a:solidFill>
+            </a:endParaRPr>
+          </a:p>
+          <a:p>
+            <a:endParaRPr lang="en-US" sz="2400" dirty="0">
+              <a:solidFill>
+                <a:schemeClr val="tx1"/>
+              </a:solidFill>
+            </a:endParaRPr>
+          </a:p>
+          <a:p>
+            <a:r>
               <a:rPr lang="en-US" sz="2400" b="1" dirty="0">
                 <a:solidFill>
                   <a:schemeClr val="tx1"/>
@@ -8150,7 +8723,7 @@
           <a:p>
             <a:r>
               <a:rPr lang="en-US" sz="2400" dirty="0">
-                <a:hlinkClick r:id="rId7"/>
+                <a:hlinkClick r:id="rId8"/>
               </a:rPr>
               <a:t>https://towardsdatascience.com/getting-weather-data-in-3-easy-steps-8dc10cc5c859</a:t>
             </a:r>
@@ -8179,27 +8752,6 @@
               </a:rPr>
               <a:t>https://www.nhc.noaa.gov/data/hurdat/hurdat2-format-nov2019.pdf</a:t>
             </a:r>
-          </a:p>
-          <a:p>
-            <a:endParaRPr lang="en-US" sz="2400" dirty="0">
-              <a:solidFill>
-                <a:schemeClr val="tx1"/>
-              </a:solidFill>
-            </a:endParaRPr>
-          </a:p>
-          <a:p>
-            <a:endParaRPr lang="en-US" sz="2400" dirty="0">
-              <a:solidFill>
-                <a:schemeClr val="tx1"/>
-              </a:solidFill>
-            </a:endParaRPr>
-          </a:p>
-          <a:p>
-            <a:endParaRPr lang="en-US" sz="2400" dirty="0">
-              <a:solidFill>
-                <a:schemeClr val="tx1"/>
-              </a:solidFill>
-            </a:endParaRPr>
           </a:p>
           <a:p>
             <a:endParaRPr lang="en-US" sz="2400" dirty="0">

--- a/HurriPy.pptx
+++ b/HurriPy.pptx
@@ -5,13 +5,12 @@
     <p:sldMasterId id="2147483648" r:id="rId1"/>
   </p:sldMasterIdLst>
   <p:notesMasterIdLst>
-    <p:notesMasterId r:id="rId6"/>
+    <p:notesMasterId r:id="rId5"/>
   </p:notesMasterIdLst>
   <p:sldIdLst>
     <p:sldId id="292" r:id="rId2"/>
     <p:sldId id="293" r:id="rId3"/>
-    <p:sldId id="297" r:id="rId4"/>
-    <p:sldId id="295" r:id="rId5"/>
+    <p:sldId id="295" r:id="rId4"/>
   </p:sldIdLst>
   <p:sldSz cx="12192000" cy="6858000"/>
   <p:notesSz cx="6858000" cy="9144000"/>
@@ -7635,7 +7634,7 @@
                   <a:schemeClr val="tx1"/>
                 </a:solidFill>
               </a:rPr>
-              <a:t>A group of world renowned data scientists took upon themselves to analyze the correlations between hurricanes and impacting factors.</a:t>
+              <a:t>A group of world renowned data scientists took upon themselves to analyze the correlations between cyclones and impacting factors.</a:t>
             </a:r>
           </a:p>
         </p:txBody>
@@ -7750,8 +7749,70 @@
                   <a:schemeClr val="tx1"/>
                 </a:solidFill>
               </a:rPr>
-              <a:t>Understanding the hurricane patterns over the past few years</a:t>
-            </a:r>
+              <a:t>Understanding the cyclone patterns over the past few years</a:t>
+            </a:r>
+            <a:r>
+              <a:rPr lang="en-US" sz="1600" dirty="0">
+                <a:solidFill>
+                  <a:schemeClr val="tx1"/>
+                </a:solidFill>
+              </a:rPr>
+              <a:t> – Data collection (</a:t>
+            </a:r>
+            <a:r>
+              <a:rPr lang="en-US" sz="1600" dirty="0">
+                <a:solidFill>
+                  <a:srgbClr val="FF0000"/>
+                </a:solidFill>
+              </a:rPr>
+              <a:t>DD</a:t>
+            </a:r>
+            <a:r>
+              <a:rPr lang="en-US" sz="1600" dirty="0">
+                <a:solidFill>
+                  <a:schemeClr val="tx1"/>
+                </a:solidFill>
+              </a:rPr>
+              <a:t>), Data </a:t>
+            </a:r>
+            <a:r>
+              <a:rPr lang="en-US" sz="1600" dirty="0">
+                <a:solidFill>
+                  <a:schemeClr val="dk1"/>
+                </a:solidFill>
+                <a:ea typeface="Roboto"/>
+                <a:cs typeface="Roboto"/>
+                <a:sym typeface="Roboto"/>
+              </a:rPr>
+              <a:t>cleaning (</a:t>
+            </a:r>
+            <a:r>
+              <a:rPr lang="en-US" sz="1600" dirty="0">
+                <a:solidFill>
+                  <a:srgbClr val="FF0000"/>
+                </a:solidFill>
+                <a:ea typeface="Roboto"/>
+                <a:cs typeface="Roboto"/>
+                <a:sym typeface="Roboto"/>
+              </a:rPr>
+              <a:t>OR</a:t>
+            </a:r>
+            <a:r>
+              <a:rPr lang="en-US" sz="1600" dirty="0">
+                <a:solidFill>
+                  <a:schemeClr val="dk1"/>
+                </a:solidFill>
+                <a:ea typeface="Roboto"/>
+                <a:cs typeface="Roboto"/>
+                <a:sym typeface="Roboto"/>
+              </a:rPr>
+              <a:t>)</a:t>
+            </a:r>
+            <a:endParaRPr lang="en-US" sz="1600" b="1" dirty="0">
+              <a:solidFill>
+                <a:schemeClr val="tx1"/>
+              </a:solidFill>
+            </a:endParaRPr>
           </a:p>
           <a:p>
             <a:pPr marL="800100" lvl="1" indent="-342900">
@@ -7764,7 +7825,7 @@
                   <a:schemeClr val="tx1"/>
                 </a:solidFill>
               </a:rPr>
-              <a:t>The onset of hurricane season as it pertains to the time of the year – </a:t>
+              <a:t>The onset of cyclone season as it pertains to the time of the year – </a:t>
             </a:r>
             <a:r>
               <a:rPr lang="en-US" sz="1600" dirty="0">
@@ -7788,7 +7849,7 @@
                   <a:srgbClr val="FF0000"/>
                 </a:solidFill>
               </a:rPr>
-              <a:t>OR</a:t>
+              <a:t>AG</a:t>
             </a:r>
             <a:r>
               <a:rPr lang="en-US" sz="1600" dirty="0">
@@ -7856,7 +7917,7 @@
                   <a:schemeClr val="tx1"/>
                 </a:solidFill>
               </a:rPr>
-              <a:t>When do we usually see named storms with the letter “C” – </a:t>
+              <a:t>When do we usually see named cyclone with the letter “C” – </a:t>
             </a:r>
             <a:r>
               <a:rPr lang="en-US" sz="1600" dirty="0">
@@ -7864,7 +7925,7 @@
                   <a:srgbClr val="00B050"/>
                 </a:solidFill>
               </a:rPr>
-              <a:t>Line plot </a:t>
+              <a:t>Line graph </a:t>
             </a:r>
             <a:r>
               <a:rPr lang="en-US" sz="1600" dirty="0">
@@ -7902,7 +7963,7 @@
                   <a:schemeClr val="tx1"/>
                 </a:solidFill>
               </a:rPr>
-              <a:t>Storms by category level and year – </a:t>
+              <a:t>Cyclone by category level and year – </a:t>
             </a:r>
             <a:r>
               <a:rPr lang="en-US" sz="1600" dirty="0">
@@ -7948,7 +8009,7 @@
                   <a:schemeClr val="tx1"/>
                 </a:solidFill>
               </a:rPr>
-              <a:t>The time it takes to go from a tropical storm to a hurricane </a:t>
+              <a:t>The time it takes to go from a tropical storm to a cyclone </a:t>
             </a:r>
             <a:r>
               <a:rPr lang="en-US" sz="1600" dirty="0">
@@ -7956,7 +8017,7 @@
                   <a:srgbClr val="00B050"/>
                 </a:solidFill>
               </a:rPr>
-              <a:t>– Bar graphs </a:t>
+              <a:t>– Bar graph </a:t>
             </a:r>
             <a:r>
               <a:rPr lang="en-US" sz="1600" dirty="0">
@@ -7973,6 +8034,44 @@
                 </a:solidFill>
               </a:rPr>
               <a:t>OR</a:t>
+            </a:r>
+            <a:r>
+              <a:rPr lang="en-US" sz="1600" dirty="0">
+                <a:solidFill>
+                  <a:schemeClr val="tx1"/>
+                </a:solidFill>
+              </a:rPr>
+              <a:t>)</a:t>
+            </a:r>
+          </a:p>
+          <a:p>
+            <a:pPr marL="342900" indent="-342900">
+              <a:buFont typeface="Arial" panose="020B0604020202020204" pitchFamily="34" charset="0"/>
+              <a:buChar char="•"/>
+            </a:pPr>
+            <a:r>
+              <a:rPr lang="en-US" sz="1600" b="1" dirty="0">
+                <a:solidFill>
+                  <a:schemeClr val="tx1"/>
+                </a:solidFill>
+              </a:rPr>
+              <a:t>Demographics of top 3 costliest cyclone hit areas on the mainland in the past 10 years</a:t>
+            </a:r>
+            <a:r>
+              <a:rPr lang="en-US" sz="1600" dirty="0">
+                <a:solidFill>
+                  <a:schemeClr val="tx1"/>
+                </a:solidFill>
+              </a:rPr>
+              <a:t> – Data collection (</a:t>
+            </a:r>
+            <a:r>
+              <a:rPr lang="en-US" sz="1600" dirty="0">
+                <a:solidFill>
+                  <a:srgbClr val="FF0000"/>
+                </a:solidFill>
+              </a:rPr>
+              <a:t>SP</a:t>
             </a:r>
             <a:r>
               <a:rPr lang="en-US" sz="1600" dirty="0">
@@ -7994,15 +8093,261 @@
                   <a:schemeClr val="tx1"/>
                 </a:solidFill>
               </a:rPr>
-              <a:t>Predictive data modeling based on land weather station historical data (</a:t>
+              <a:t>Cyclones: Harvey, Irma, and Sandy that all hit in the past decade - </a:t>
             </a:r>
             <a:r>
               <a:rPr lang="en-US" sz="1600" dirty="0">
                 <a:solidFill>
+                  <a:srgbClr val="00B050"/>
+                </a:solidFill>
+              </a:rPr>
+              <a:t>Line graph </a:t>
+            </a:r>
+            <a:r>
+              <a:rPr lang="en-US" sz="1600" dirty="0">
+                <a:solidFill>
+                  <a:schemeClr val="tx1"/>
+                </a:solidFill>
+              </a:rPr>
+              <a:t>(</a:t>
+            </a:r>
+            <a:r>
+              <a:rPr lang="en-US" sz="1600" dirty="0">
+                <a:solidFill>
                   <a:srgbClr val="FF0000"/>
                 </a:solidFill>
               </a:rPr>
-              <a:t>AG</a:t>
+              <a:t> </a:t>
+            </a:r>
+            <a:r>
+              <a:rPr lang="en-US" sz="1600" dirty="0">
+                <a:solidFill>
+                  <a:schemeClr val="tx1"/>
+                </a:solidFill>
+              </a:rPr>
+              <a:t>)</a:t>
+            </a:r>
+          </a:p>
+          <a:p>
+            <a:pPr marL="800100" lvl="1" indent="-342900">
+              <a:buFont typeface="Arial" panose="020B0604020202020204" pitchFamily="34" charset="0"/>
+              <a:buChar char="•"/>
+            </a:pPr>
+            <a:r>
+              <a:rPr lang="en-US" sz="1600" dirty="0">
+                <a:solidFill>
+                  <a:schemeClr val="tx1"/>
+                </a:solidFill>
+              </a:rPr>
+              <a:t>Have damage costs increased or decreased over the past 10 years - </a:t>
+            </a:r>
+            <a:r>
+              <a:rPr lang="en-US" sz="1600" dirty="0">
+                <a:solidFill>
+                  <a:srgbClr val="00B050"/>
+                </a:solidFill>
+              </a:rPr>
+              <a:t>Line graph </a:t>
+            </a:r>
+            <a:r>
+              <a:rPr lang="en-US" sz="1600" dirty="0">
+                <a:solidFill>
+                  <a:schemeClr val="tx1"/>
+                </a:solidFill>
+              </a:rPr>
+              <a:t>(</a:t>
+            </a:r>
+            <a:r>
+              <a:rPr lang="en-US" sz="1600" dirty="0">
+                <a:solidFill>
+                  <a:srgbClr val="FF0000"/>
+                </a:solidFill>
+              </a:rPr>
+              <a:t> </a:t>
+            </a:r>
+            <a:r>
+              <a:rPr lang="en-US" sz="1600" dirty="0">
+                <a:solidFill>
+                  <a:schemeClr val="tx1"/>
+                </a:solidFill>
+              </a:rPr>
+              <a:t>)</a:t>
+            </a:r>
+          </a:p>
+          <a:p>
+            <a:pPr marL="800100" lvl="1" indent="-342900">
+              <a:buFont typeface="Arial" panose="020B0604020202020204" pitchFamily="34" charset="0"/>
+              <a:buChar char="•"/>
+            </a:pPr>
+            <a:r>
+              <a:rPr lang="en-US" sz="1600" dirty="0">
+                <a:solidFill>
+                  <a:schemeClr val="tx1"/>
+                </a:solidFill>
+              </a:rPr>
+              <a:t>Top 3 biggest for a year and their line graph - </a:t>
+            </a:r>
+            <a:r>
+              <a:rPr lang="en-US" sz="1600" dirty="0">
+                <a:solidFill>
+                  <a:srgbClr val="00B050"/>
+                </a:solidFill>
+              </a:rPr>
+              <a:t>Line graph </a:t>
+            </a:r>
+            <a:r>
+              <a:rPr lang="en-US" sz="1600" dirty="0">
+                <a:solidFill>
+                  <a:schemeClr val="tx1"/>
+                </a:solidFill>
+              </a:rPr>
+              <a:t>(</a:t>
+            </a:r>
+            <a:r>
+              <a:rPr lang="en-US" sz="1600" dirty="0">
+                <a:solidFill>
+                  <a:srgbClr val="FF0000"/>
+                </a:solidFill>
+              </a:rPr>
+              <a:t> </a:t>
+            </a:r>
+            <a:r>
+              <a:rPr lang="en-US" sz="1600" dirty="0">
+                <a:solidFill>
+                  <a:schemeClr val="tx1"/>
+                </a:solidFill>
+              </a:rPr>
+              <a:t>)</a:t>
+            </a:r>
+          </a:p>
+          <a:p>
+            <a:pPr marL="800100" lvl="1" indent="-342900">
+              <a:buFont typeface="Arial" panose="020B0604020202020204" pitchFamily="34" charset="0"/>
+              <a:buChar char="•"/>
+            </a:pPr>
+            <a:r>
+              <a:rPr lang="en-US" sz="1600" dirty="0">
+                <a:solidFill>
+                  <a:schemeClr val="tx1"/>
+                </a:solidFill>
+              </a:rPr>
+              <a:t>Population: Year before and year after – </a:t>
+            </a:r>
+            <a:r>
+              <a:rPr lang="en-US" sz="1600" dirty="0">
+                <a:solidFill>
+                  <a:srgbClr val="00B050"/>
+                </a:solidFill>
+              </a:rPr>
+              <a:t>Line graph </a:t>
+            </a:r>
+            <a:r>
+              <a:rPr lang="en-US" sz="1600" dirty="0">
+                <a:solidFill>
+                  <a:schemeClr val="tx1"/>
+                </a:solidFill>
+              </a:rPr>
+              <a:t>for YOY% change (</a:t>
+            </a:r>
+            <a:r>
+              <a:rPr lang="en-US" sz="1600" dirty="0">
+                <a:solidFill>
+                  <a:srgbClr val="FF0000"/>
+                </a:solidFill>
+              </a:rPr>
+              <a:t> </a:t>
+            </a:r>
+            <a:r>
+              <a:rPr lang="en-US" sz="1600" dirty="0">
+                <a:solidFill>
+                  <a:schemeClr val="tx1"/>
+                </a:solidFill>
+              </a:rPr>
+              <a:t>)</a:t>
+            </a:r>
+          </a:p>
+          <a:p>
+            <a:pPr marL="800100" lvl="1" indent="-342900">
+              <a:buFont typeface="Arial" panose="020B0604020202020204" pitchFamily="34" charset="0"/>
+              <a:buChar char="•"/>
+            </a:pPr>
+            <a:r>
+              <a:rPr lang="en-US" sz="1600" dirty="0">
+                <a:solidFill>
+                  <a:schemeClr val="tx1"/>
+                </a:solidFill>
+              </a:rPr>
+              <a:t>Median home values: Year before and year after – </a:t>
+            </a:r>
+            <a:r>
+              <a:rPr lang="en-US" sz="1600" dirty="0">
+                <a:solidFill>
+                  <a:srgbClr val="00B050"/>
+                </a:solidFill>
+              </a:rPr>
+              <a:t>Line graph </a:t>
+            </a:r>
+            <a:r>
+              <a:rPr lang="en-US" sz="1600" dirty="0">
+                <a:solidFill>
+                  <a:schemeClr val="tx1"/>
+                </a:solidFill>
+              </a:rPr>
+              <a:t>for YOY% change (</a:t>
+            </a:r>
+            <a:r>
+              <a:rPr lang="en-US" sz="1600" dirty="0">
+                <a:solidFill>
+                  <a:srgbClr val="FF0000"/>
+                </a:solidFill>
+              </a:rPr>
+              <a:t> </a:t>
+            </a:r>
+            <a:r>
+              <a:rPr lang="en-US" sz="1600" dirty="0">
+                <a:solidFill>
+                  <a:schemeClr val="tx1"/>
+                </a:solidFill>
+              </a:rPr>
+              <a:t>)</a:t>
+            </a:r>
+          </a:p>
+          <a:p>
+            <a:pPr marL="800100" lvl="1" indent="-342900">
+              <a:buFont typeface="Arial" panose="020B0604020202020204" pitchFamily="34" charset="0"/>
+              <a:buChar char="•"/>
+            </a:pPr>
+            <a:r>
+              <a:rPr lang="en-US" sz="1600" dirty="0">
+                <a:solidFill>
+                  <a:schemeClr val="tx1"/>
+                </a:solidFill>
+              </a:rPr>
+              <a:t>Poverty rates: Year before and year after – </a:t>
+            </a:r>
+            <a:r>
+              <a:rPr lang="en-US" sz="1600" dirty="0">
+                <a:solidFill>
+                  <a:srgbClr val="00B050"/>
+                </a:solidFill>
+              </a:rPr>
+              <a:t>Line graph </a:t>
+            </a:r>
+            <a:r>
+              <a:rPr lang="en-US" sz="1600" dirty="0">
+                <a:solidFill>
+                  <a:schemeClr val="tx1"/>
+                </a:solidFill>
+              </a:rPr>
+              <a:t>for YOY% change (</a:t>
+            </a:r>
+            <a:r>
+              <a:rPr lang="en-US" sz="1600" dirty="0">
+                <a:solidFill>
+                  <a:srgbClr val="FF0000"/>
+                </a:solidFill>
+              </a:rPr>
+              <a:t> </a:t>
             </a:r>
             <a:r>
               <a:rPr lang="en-US" sz="1600" dirty="0">
@@ -8024,7 +8369,7 @@
                   <a:schemeClr val="tx1"/>
                 </a:solidFill>
               </a:rPr>
-              <a:t>Demographics of top 3 costliest hurricane hit areas on the mainland in the past 10 years</a:t>
+              <a:t>Tracking a storm</a:t>
             </a:r>
           </a:p>
           <a:p>
@@ -8038,7 +8383,7 @@
                   <a:schemeClr val="tx1"/>
                 </a:solidFill>
               </a:rPr>
-              <a:t>Hurricanes: Harvey, Irma, and Sandy that all hit in 2017 - (</a:t>
+              <a:t>The path of Cristobal and top 3 (</a:t>
             </a:r>
             <a:r>
               <a:rPr lang="en-US" sz="1600" dirty="0">
@@ -8046,7 +8391,7 @@
                   <a:srgbClr val="FF0000"/>
                 </a:solidFill>
               </a:rPr>
-              <a:t>SP</a:t>
+              <a:t>DD &amp; ME</a:t>
             </a:r>
             <a:r>
               <a:rPr lang="en-US" sz="1600" dirty="0">
@@ -8058,179 +8403,33 @@
             </a:r>
           </a:p>
           <a:p>
-            <a:pPr marL="800100" lvl="1" indent="-342900">
+            <a:pPr marL="285750" indent="-285750">
               <a:buFont typeface="Arial" panose="020B0604020202020204" pitchFamily="34" charset="0"/>
               <a:buChar char="•"/>
             </a:pPr>
             <a:r>
+              <a:rPr lang="en-US" sz="1600" b="1" dirty="0">
+                <a:solidFill>
+                  <a:schemeClr val="tx1"/>
+                </a:solidFill>
+              </a:rPr>
+              <a:t>Predictive data modeling </a:t>
+            </a:r>
+            <a:r>
               <a:rPr lang="en-US" sz="1600" dirty="0">
                 <a:solidFill>
                   <a:schemeClr val="tx1"/>
                 </a:solidFill>
               </a:rPr>
-              <a:t>Have damage costs being increase or decrease for the past 10 years</a:t>
-            </a:r>
-          </a:p>
-          <a:p>
-            <a:pPr marL="800100" lvl="1" indent="-342900">
-              <a:buFont typeface="Arial" panose="020B0604020202020204" pitchFamily="34" charset="0"/>
-              <a:buChar char="•"/>
-            </a:pPr>
+              <a:t>based on land weather station historical data (</a:t>
+            </a:r>
             <a:r>
               <a:rPr lang="en-US" sz="1600" dirty="0">
                 <a:solidFill>
-                  <a:schemeClr val="tx1"/>
-                </a:solidFill>
-              </a:rPr>
-              <a:t>Top 3 biggest for a year and their line graph</a:t>
-            </a:r>
-          </a:p>
-          <a:p>
-            <a:pPr marL="1257300" lvl="2" indent="-342900">
-              <a:buFont typeface="Arial" panose="020B0604020202020204" pitchFamily="34" charset="0"/>
-              <a:buChar char="•"/>
-            </a:pPr>
-            <a:r>
-              <a:rPr lang="en-US" sz="1600" i="1" dirty="0">
-                <a:solidFill>
-                  <a:srgbClr val="00B050"/>
-                </a:solidFill>
-              </a:rPr>
-              <a:t>Potential </a:t>
-            </a:r>
-            <a:r>
-              <a:rPr lang="en-US" sz="1600" dirty="0">
-                <a:solidFill>
-                  <a:schemeClr val="tx1"/>
-                </a:solidFill>
-              </a:rPr>
-              <a:t>pie chart of top 10 and these top 3 as part</a:t>
-            </a:r>
-          </a:p>
-          <a:p>
-            <a:pPr marL="800100" lvl="1" indent="-342900">
-              <a:buFont typeface="Arial" panose="020B0604020202020204" pitchFamily="34" charset="0"/>
-              <a:buChar char="•"/>
-            </a:pPr>
-            <a:r>
-              <a:rPr lang="en-US" sz="1600" dirty="0">
-                <a:solidFill>
-                  <a:schemeClr val="tx1"/>
-                </a:solidFill>
-              </a:rPr>
-              <a:t>Population: Year before and year after – line graph in YOY% change (</a:t>
-            </a:r>
-            <a:r>
-              <a:rPr lang="en-US" sz="1600" dirty="0">
-                <a:solidFill>
                   <a:srgbClr val="FF0000"/>
                 </a:solidFill>
               </a:rPr>
-              <a:t>SP</a:t>
-            </a:r>
-            <a:r>
-              <a:rPr lang="en-US" sz="1600" dirty="0">
-                <a:solidFill>
-                  <a:schemeClr val="tx1"/>
-                </a:solidFill>
-              </a:rPr>
-              <a:t>)</a:t>
-            </a:r>
-          </a:p>
-          <a:p>
-            <a:pPr marL="800100" lvl="1" indent="-342900">
-              <a:buFont typeface="Arial" panose="020B0604020202020204" pitchFamily="34" charset="0"/>
-              <a:buChar char="•"/>
-            </a:pPr>
-            <a:r>
-              <a:rPr lang="en-US" sz="1600" dirty="0">
-                <a:solidFill>
-                  <a:schemeClr val="tx1"/>
-                </a:solidFill>
-              </a:rPr>
-              <a:t>Median home values: Year before and year after – line graph in YOY% change (</a:t>
-            </a:r>
-            <a:r>
-              <a:rPr lang="en-US" sz="1600" dirty="0">
-                <a:solidFill>
-                  <a:srgbClr val="FF0000"/>
-                </a:solidFill>
-              </a:rPr>
-              <a:t>SP</a:t>
-            </a:r>
-            <a:r>
-              <a:rPr lang="en-US" sz="1600" dirty="0">
-                <a:solidFill>
-                  <a:schemeClr val="tx1"/>
-                </a:solidFill>
-              </a:rPr>
-              <a:t>)</a:t>
-            </a:r>
-          </a:p>
-          <a:p>
-            <a:pPr marL="800100" lvl="1" indent="-342900">
-              <a:buFont typeface="Arial" panose="020B0604020202020204" pitchFamily="34" charset="0"/>
-              <a:buChar char="•"/>
-            </a:pPr>
-            <a:r>
-              <a:rPr lang="en-US" sz="1600" dirty="0">
-                <a:solidFill>
-                  <a:schemeClr val="tx1"/>
-                </a:solidFill>
-              </a:rPr>
-              <a:t>Poverty rates: Year before and year after – line graph in YOY% change (</a:t>
-            </a:r>
-            <a:r>
-              <a:rPr lang="en-US" sz="1600" dirty="0">
-                <a:solidFill>
-                  <a:srgbClr val="FF0000"/>
-                </a:solidFill>
-              </a:rPr>
-              <a:t>SP</a:t>
-            </a:r>
-            <a:r>
-              <a:rPr lang="en-US" sz="1600" dirty="0">
-                <a:solidFill>
-                  <a:schemeClr val="tx1"/>
-                </a:solidFill>
-              </a:rPr>
-              <a:t>)</a:t>
-            </a:r>
-          </a:p>
-          <a:p>
-            <a:pPr marL="342900" indent="-342900">
-              <a:buFont typeface="Arial" panose="020B0604020202020204" pitchFamily="34" charset="0"/>
-              <a:buChar char="•"/>
-            </a:pPr>
-            <a:r>
-              <a:rPr lang="en-US" sz="1600" b="1" dirty="0">
-                <a:solidFill>
-                  <a:schemeClr val="tx1"/>
-                </a:solidFill>
-              </a:rPr>
-              <a:t>Tracking a storm</a:t>
-            </a:r>
-          </a:p>
-          <a:p>
-            <a:pPr marL="800100" lvl="1" indent="-342900">
-              <a:buFont typeface="Arial" panose="020B0604020202020204" pitchFamily="34" charset="0"/>
-              <a:buChar char="•"/>
-            </a:pPr>
-            <a:r>
-              <a:rPr lang="en-US" sz="1600" dirty="0">
-                <a:solidFill>
-                  <a:schemeClr val="tx1"/>
-                </a:solidFill>
-              </a:rPr>
-              <a:t>The path of Cristobal and top 3 (</a:t>
-            </a:r>
-            <a:r>
-              <a:rPr lang="en-US" sz="1600" dirty="0">
-                <a:solidFill>
-                  <a:srgbClr val="FF0000"/>
-                </a:solidFill>
-              </a:rPr>
-              <a:t>DD &amp; ME</a:t>
+              <a:t>AG</a:t>
             </a:r>
             <a:r>
               <a:rPr lang="en-US" sz="1600" dirty="0">
@@ -8379,152 +8578,6 @@
 </file>
 
 <file path=ppt/slides/slide3.xml><?xml version="1.0" encoding="utf-8"?>
-<p:sld xmlns:a="http://schemas.openxmlformats.org/drawingml/2006/main" xmlns:r="http://schemas.openxmlformats.org/officeDocument/2006/relationships" xmlns:p="http://schemas.openxmlformats.org/presentationml/2006/main">
-  <p:cSld>
-    <p:spTree>
-      <p:nvGrpSpPr>
-        <p:cNvPr id="1" name=""/>
-        <p:cNvGrpSpPr/>
-        <p:nvPr/>
-      </p:nvGrpSpPr>
-      <p:grpSpPr>
-        <a:xfrm>
-          <a:off x="0" y="0"/>
-          <a:ext cx="0" cy="0"/>
-          <a:chOff x="0" y="0"/>
-          <a:chExt cx="0" cy="0"/>
-        </a:xfrm>
-      </p:grpSpPr>
-      <p:sp>
-        <p:nvSpPr>
-          <p:cNvPr id="2" name="Rectangle 1">
-            <a:extLst>
-              <a:ext uri="{FF2B5EF4-FFF2-40B4-BE49-F238E27FC236}">
-                <a16:creationId xmlns:a16="http://schemas.microsoft.com/office/drawing/2014/main" id="{FEC9B834-5412-404E-96AF-826F2A1FA0F6}"/>
-              </a:ext>
-            </a:extLst>
-          </p:cNvPr>
-          <p:cNvSpPr/>
-          <p:nvPr/>
-        </p:nvSpPr>
-        <p:spPr>
-          <a:xfrm>
-            <a:off x="201336" y="494950"/>
-            <a:ext cx="11283192" cy="6363050"/>
-          </a:xfrm>
-          <a:prstGeom prst="rect">
-            <a:avLst/>
-          </a:prstGeom>
-          <a:noFill/>
-          <a:ln>
-            <a:noFill/>
-          </a:ln>
-        </p:spPr>
-        <p:style>
-          <a:lnRef idx="2">
-            <a:schemeClr val="accent1">
-              <a:shade val="50000"/>
-            </a:schemeClr>
-          </a:lnRef>
-          <a:fillRef idx="1">
-            <a:schemeClr val="accent1"/>
-          </a:fillRef>
-          <a:effectRef idx="0">
-            <a:schemeClr val="accent1"/>
-          </a:effectRef>
-          <a:fontRef idx="minor">
-            <a:schemeClr val="lt1"/>
-          </a:fontRef>
-        </p:style>
-        <p:txBody>
-          <a:bodyPr rtlCol="0" anchor="t"/>
-          <a:lstStyle/>
-          <a:p>
-            <a:r>
-              <a:rPr lang="en-US" sz="2400" dirty="0">
-                <a:solidFill>
-                  <a:schemeClr val="tx1"/>
-                </a:solidFill>
-              </a:rPr>
-              <a:t>Types of charts:</a:t>
-            </a:r>
-          </a:p>
-          <a:p>
-            <a:r>
-              <a:rPr lang="en-US" sz="2400" dirty="0">
-                <a:solidFill>
-                  <a:schemeClr val="tx1"/>
-                </a:solidFill>
-              </a:rPr>
-              <a:t>Bar chart for property values</a:t>
-            </a:r>
-          </a:p>
-          <a:p>
-            <a:r>
-              <a:rPr lang="en-US" sz="2400" dirty="0">
-                <a:solidFill>
-                  <a:schemeClr val="tx1"/>
-                </a:solidFill>
-              </a:rPr>
-              <a:t>Line graph for population</a:t>
-            </a:r>
-          </a:p>
-          <a:p>
-            <a:r>
-              <a:rPr lang="en-US" sz="2400" dirty="0">
-                <a:solidFill>
-                  <a:schemeClr val="tx1"/>
-                </a:solidFill>
-              </a:rPr>
-              <a:t>Scatter for C storms</a:t>
-            </a:r>
-          </a:p>
-          <a:p>
-            <a:r>
-              <a:rPr lang="en-US" sz="2400" dirty="0">
-                <a:solidFill>
-                  <a:schemeClr val="tx1"/>
-                </a:solidFill>
-              </a:rPr>
-              <a:t>Scatter by size based on costliest storm with heatmap of landfalls</a:t>
-            </a:r>
-          </a:p>
-          <a:p>
-            <a:r>
-              <a:rPr lang="en-US" sz="2400" dirty="0">
-                <a:solidFill>
-                  <a:schemeClr val="tx1"/>
-                </a:solidFill>
-              </a:rPr>
-              <a:t>Heatmap for Path of Cristobal</a:t>
-            </a:r>
-          </a:p>
-          <a:p>
-            <a:r>
-              <a:rPr lang="en-US" sz="2400" dirty="0">
-                <a:solidFill>
-                  <a:schemeClr val="tx1"/>
-                </a:solidFill>
-              </a:rPr>
-              <a:t>Scatter of temperature of water in Gulf of Mexico with linear regression</a:t>
-            </a:r>
-          </a:p>
-        </p:txBody>
-      </p:sp>
-    </p:spTree>
-    <p:extLst>
-      <p:ext uri="{BB962C8B-B14F-4D97-AF65-F5344CB8AC3E}">
-        <p14:creationId xmlns:p14="http://schemas.microsoft.com/office/powerpoint/2010/main" val="2124669152"/>
-      </p:ext>
-    </p:extLst>
-  </p:cSld>
-  <p:clrMapOvr>
-    <a:masterClrMapping/>
-  </p:clrMapOvr>
-</p:sld>
-</file>
-
-<file path=ppt/slides/slide4.xml><?xml version="1.0" encoding="utf-8"?>
 <p:sld xmlns:a="http://schemas.openxmlformats.org/drawingml/2006/main" xmlns:r="http://schemas.openxmlformats.org/officeDocument/2006/relationships" xmlns:p="http://schemas.openxmlformats.org/presentationml/2006/main">
   <p:cSld>
     <p:spTree>

--- a/HurriPy.pptx
+++ b/HurriPy.pptx
@@ -5,12 +5,19 @@
     <p:sldMasterId id="2147483648" r:id="rId1"/>
   </p:sldMasterIdLst>
   <p:notesMasterIdLst>
-    <p:notesMasterId r:id="rId5"/>
+    <p:notesMasterId r:id="rId12"/>
   </p:notesMasterIdLst>
   <p:sldIdLst>
     <p:sldId id="292" r:id="rId2"/>
     <p:sldId id="293" r:id="rId3"/>
     <p:sldId id="295" r:id="rId4"/>
+    <p:sldId id="302" r:id="rId5"/>
+    <p:sldId id="296" r:id="rId6"/>
+    <p:sldId id="297" r:id="rId7"/>
+    <p:sldId id="298" r:id="rId8"/>
+    <p:sldId id="299" r:id="rId9"/>
+    <p:sldId id="300" r:id="rId10"/>
+    <p:sldId id="301" r:id="rId11"/>
   </p:sldIdLst>
   <p:sldSz cx="12192000" cy="6858000"/>
   <p:notesSz cx="6858000" cy="9144000"/>
@@ -1365,10 +1372,10 @@
     <dgm:cxn modelId="{68BCA503-5624-4276-BD1A-711B97F61398}" type="presOf" srcId="{4CB89500-8D1C-4547-9D1D-5A1482AD95FE}" destId="{320AC9B0-E9DB-4DE4-B216-7F87CC9B5FFB}" srcOrd="0" destOrd="0" presId="urn:microsoft.com/office/officeart/2008/layout/AlternatingHexagons"/>
     <dgm:cxn modelId="{A886320A-B17E-4985-B03F-816F6E3C2794}" srcId="{EA1AEF4A-C73F-4A43-9B46-3054350F9096}" destId="{401B2211-D1C7-4A5C-B7B1-8A75F97B4CAD}" srcOrd="2" destOrd="0" parTransId="{905945F0-0D94-4C4D-A6E0-A3A615831F69}" sibTransId="{4CB89500-8D1C-4547-9D1D-5A1482AD95FE}"/>
     <dgm:cxn modelId="{FA95993C-F9AD-481E-93B9-3D1600276360}" type="presOf" srcId="{A9F539A3-FB8B-4E54-98B3-19CF27541BD2}" destId="{8D8FF646-B902-4438-BBAD-89ADE76F5533}" srcOrd="0" destOrd="0" presId="urn:microsoft.com/office/officeart/2008/layout/AlternatingHexagons"/>
-    <dgm:cxn modelId="{10DCC067-63FA-49AE-8924-5A396C6616F0}" type="presOf" srcId="{403BACE9-2A64-4B7E-B5FC-2428E7A295F7}" destId="{A0C376DE-D237-4E15-8190-D4C24BFF8431}" srcOrd="0" destOrd="0" presId="urn:microsoft.com/office/officeart/2008/layout/AlternatingHexagons"/>
     <dgm:cxn modelId="{45BDB448-9C5A-42D5-B90B-26E842BD0044}" srcId="{EA1AEF4A-C73F-4A43-9B46-3054350F9096}" destId="{FC3F3982-4738-4E6E-AC77-5BB852B5B15E}" srcOrd="4" destOrd="0" parTransId="{6EDC8523-EE7B-45D9-862D-1B68FC0458F8}" sibTransId="{7C73D589-5042-4C94-AE75-F7AEDB48955D}"/>
     <dgm:cxn modelId="{70AE834E-3D23-41B8-A5F1-B6FEE10EBC1B}" type="presOf" srcId="{401B2211-D1C7-4A5C-B7B1-8A75F97B4CAD}" destId="{7ECD5328-A218-4A00-A3C4-852F5B085E54}" srcOrd="0" destOrd="0" presId="urn:microsoft.com/office/officeart/2008/layout/AlternatingHexagons"/>
     <dgm:cxn modelId="{95995A57-C388-4078-8987-D6D98BD66FCA}" type="presOf" srcId="{2A63CCE8-D40F-4B3A-AE5E-7DA1CB2ED80E}" destId="{2D828B95-CE4E-4076-8640-5E255A265FA3}" srcOrd="0" destOrd="0" presId="urn:microsoft.com/office/officeart/2008/layout/AlternatingHexagons"/>
+    <dgm:cxn modelId="{10DCC067-63FA-49AE-8924-5A396C6616F0}" type="presOf" srcId="{403BACE9-2A64-4B7E-B5FC-2428E7A295F7}" destId="{A0C376DE-D237-4E15-8190-D4C24BFF8431}" srcOrd="0" destOrd="0" presId="urn:microsoft.com/office/officeart/2008/layout/AlternatingHexagons"/>
     <dgm:cxn modelId="{0FD5FC7F-1070-4BD5-993F-BF02D327BAE5}" type="presOf" srcId="{7DB0DBD9-0D70-4B61-BD8B-AE8FA459967A}" destId="{69CC6139-28A6-4F5B-A2CC-408DF6787D63}" srcOrd="0" destOrd="0" presId="urn:microsoft.com/office/officeart/2008/layout/AlternatingHexagons"/>
     <dgm:cxn modelId="{788A8E8A-E4B4-4B2D-87FE-CA6DE6229894}" type="presOf" srcId="{CA4D22E4-9F9F-4AE9-9EC1-5DE35E05FDAA}" destId="{2C3AD04D-C091-43A1-99DD-7BEC8D1F5ED6}" srcOrd="0" destOrd="0" presId="urn:microsoft.com/office/officeart/2008/layout/AlternatingHexagons"/>
     <dgm:cxn modelId="{6F5C72A9-14CE-4778-B4DF-7FA1410008AF}" srcId="{EA1AEF4A-C73F-4A43-9B46-3054350F9096}" destId="{A9F539A3-FB8B-4E54-98B3-19CF27541BD2}" srcOrd="0" destOrd="0" parTransId="{89327897-140C-4F87-A082-F36B52EE607E}" sibTransId="{403BACE9-2A64-4B7E-B5FC-2428E7A295F7}"/>
@@ -1417,7 +1424,7 @@
   <dgm:whole/>
   <dgm:extLst>
     <a:ext uri="http://schemas.microsoft.com/office/drawing/2008/diagram">
-      <dsp:dataModelExt xmlns:dsp="http://schemas.microsoft.com/office/drawing/2008/diagram" relId="rId6" minVer="http://schemas.openxmlformats.org/drawingml/2006/diagram"/>
+      <dsp:dataModelExt xmlns:dsp="http://schemas.microsoft.com/office/drawing/2008/diagram" relId="rId7" minVer="http://schemas.openxmlformats.org/drawingml/2006/diagram"/>
     </a:ext>
   </dgm:extLst>
 </dgm:dataModel>
@@ -3901,7 +3908,7 @@
           <a:p>
             <a:fld id="{D787FA33-36A0-4BA6-AA24-14202E5CC49F}" type="datetimeFigureOut">
               <a:rPr lang="en-US" smtClean="0"/>
-              <a:t>6/20/2020</a:t>
+              <a:t>6/23/20</a:t>
             </a:fld>
             <a:endParaRPr lang="en-US"/>
           </a:p>
@@ -4168,6 +4175,1195 @@
 </p:notesMaster>
 </file>
 
+<file path=ppt/notesSlides/notesSlide1.xml><?xml version="1.0" encoding="utf-8"?>
+<p:notes xmlns:a="http://schemas.openxmlformats.org/drawingml/2006/main" xmlns:r="http://schemas.openxmlformats.org/officeDocument/2006/relationships" xmlns:p="http://schemas.openxmlformats.org/presentationml/2006/main">
+  <p:cSld>
+    <p:spTree>
+      <p:nvGrpSpPr>
+        <p:cNvPr id="1" name=""/>
+        <p:cNvGrpSpPr/>
+        <p:nvPr/>
+      </p:nvGrpSpPr>
+      <p:grpSpPr>
+        <a:xfrm>
+          <a:off x="0" y="0"/>
+          <a:ext cx="0" cy="0"/>
+          <a:chOff x="0" y="0"/>
+          <a:chExt cx="0" cy="0"/>
+        </a:xfrm>
+      </p:grpSpPr>
+      <p:sp>
+        <p:nvSpPr>
+          <p:cNvPr id="2" name="Slide Image Placeholder 1"/>
+          <p:cNvSpPr>
+            <a:spLocks noGrp="1" noRot="1" noChangeAspect="1"/>
+          </p:cNvSpPr>
+          <p:nvPr>
+            <p:ph type="sldImg"/>
+          </p:nvPr>
+        </p:nvSpPr>
+        <p:spPr/>
+      </p:sp>
+      <p:sp>
+        <p:nvSpPr>
+          <p:cNvPr id="3" name="Notes Placeholder 2"/>
+          <p:cNvSpPr>
+            <a:spLocks noGrp="1"/>
+          </p:cNvSpPr>
+          <p:nvPr>
+            <p:ph type="body" idx="1"/>
+          </p:nvPr>
+        </p:nvSpPr>
+        <p:spPr/>
+        <p:txBody>
+          <a:bodyPr/>
+          <a:lstStyle/>
+          <a:p>
+            <a:r>
+              <a:rPr lang="en-US" dirty="0"/>
+              <a:t>Title Slide</a:t>
+            </a:r>
+          </a:p>
+        </p:txBody>
+      </p:sp>
+      <p:sp>
+        <p:nvSpPr>
+          <p:cNvPr id="4" name="Slide Number Placeholder 3"/>
+          <p:cNvSpPr>
+            <a:spLocks noGrp="1"/>
+          </p:cNvSpPr>
+          <p:nvPr>
+            <p:ph type="sldNum" sz="quarter" idx="5"/>
+          </p:nvPr>
+        </p:nvSpPr>
+        <p:spPr/>
+        <p:txBody>
+          <a:bodyPr/>
+          <a:lstStyle/>
+          <a:p>
+            <a:fld id="{00CD4E95-15EC-4946-8EB1-8EEE30E889E3}" type="slidenum">
+              <a:rPr lang="en-US" smtClean="0"/>
+              <a:t>1</a:t>
+            </a:fld>
+            <a:endParaRPr lang="en-US"/>
+          </a:p>
+        </p:txBody>
+      </p:sp>
+    </p:spTree>
+    <p:extLst>
+      <p:ext uri="{BB962C8B-B14F-4D97-AF65-F5344CB8AC3E}">
+        <p14:creationId xmlns:p14="http://schemas.microsoft.com/office/powerpoint/2010/main" val="704581772"/>
+      </p:ext>
+    </p:extLst>
+  </p:cSld>
+  <p:clrMapOvr>
+    <a:masterClrMapping/>
+  </p:clrMapOvr>
+</p:notes>
+</file>
+
+<file path=ppt/notesSlides/notesSlide2.xml><?xml version="1.0" encoding="utf-8"?>
+<p:notes xmlns:a="http://schemas.openxmlformats.org/drawingml/2006/main" xmlns:r="http://schemas.openxmlformats.org/officeDocument/2006/relationships" xmlns:p="http://schemas.openxmlformats.org/presentationml/2006/main">
+  <p:cSld>
+    <p:spTree>
+      <p:nvGrpSpPr>
+        <p:cNvPr id="1" name=""/>
+        <p:cNvGrpSpPr/>
+        <p:nvPr/>
+      </p:nvGrpSpPr>
+      <p:grpSpPr>
+        <a:xfrm>
+          <a:off x="0" y="0"/>
+          <a:ext cx="0" cy="0"/>
+          <a:chOff x="0" y="0"/>
+          <a:chExt cx="0" cy="0"/>
+        </a:xfrm>
+      </p:grpSpPr>
+      <p:sp>
+        <p:nvSpPr>
+          <p:cNvPr id="2" name="Slide Image Placeholder 1"/>
+          <p:cNvSpPr>
+            <a:spLocks noGrp="1" noRot="1" noChangeAspect="1"/>
+          </p:cNvSpPr>
+          <p:nvPr>
+            <p:ph type="sldImg"/>
+          </p:nvPr>
+        </p:nvSpPr>
+        <p:spPr/>
+      </p:sp>
+      <p:sp>
+        <p:nvSpPr>
+          <p:cNvPr id="3" name="Notes Placeholder 2"/>
+          <p:cNvSpPr>
+            <a:spLocks noGrp="1"/>
+          </p:cNvSpPr>
+          <p:nvPr>
+            <p:ph type="body" idx="1"/>
+          </p:nvPr>
+        </p:nvSpPr>
+        <p:spPr/>
+        <p:txBody>
+          <a:bodyPr/>
+          <a:lstStyle/>
+          <a:p>
+            <a:pPr marL="0" marR="0" lvl="0" indent="0" algn="l" defTabSz="914400" rtl="0" eaLnBrk="1" fontAlgn="auto" latinLnBrk="0" hangingPunct="1">
+              <a:lnSpc>
+                <a:spcPct val="100000"/>
+              </a:lnSpc>
+              <a:spcBef>
+                <a:spcPts val="0"/>
+              </a:spcBef>
+              <a:spcAft>
+                <a:spcPts val="0"/>
+              </a:spcAft>
+              <a:buClrTx/>
+              <a:buSzTx/>
+              <a:buFontTx/>
+              <a:buNone/>
+              <a:tabLst/>
+              <a:defRPr/>
+            </a:pPr>
+            <a:endParaRPr lang="en-US" sz="1200" kern="1200" dirty="0">
+              <a:solidFill>
+                <a:schemeClr val="tx1"/>
+              </a:solidFill>
+              <a:effectLst/>
+              <a:latin typeface="+mn-lt"/>
+              <a:ea typeface="+mn-ea"/>
+              <a:cs typeface="+mn-cs"/>
+            </a:endParaRPr>
+          </a:p>
+        </p:txBody>
+      </p:sp>
+      <p:sp>
+        <p:nvSpPr>
+          <p:cNvPr id="4" name="Slide Number Placeholder 3"/>
+          <p:cNvSpPr>
+            <a:spLocks noGrp="1"/>
+          </p:cNvSpPr>
+          <p:nvPr>
+            <p:ph type="sldNum" sz="quarter" idx="5"/>
+          </p:nvPr>
+        </p:nvSpPr>
+        <p:spPr/>
+        <p:txBody>
+          <a:bodyPr/>
+          <a:lstStyle/>
+          <a:p>
+            <a:fld id="{00CD4E95-15EC-4946-8EB1-8EEE30E889E3}" type="slidenum">
+              <a:rPr lang="en-US" smtClean="0"/>
+              <a:t>2</a:t>
+            </a:fld>
+            <a:endParaRPr lang="en-US"/>
+          </a:p>
+        </p:txBody>
+      </p:sp>
+    </p:spTree>
+    <p:extLst>
+      <p:ext uri="{BB962C8B-B14F-4D97-AF65-F5344CB8AC3E}">
+        <p14:creationId xmlns:p14="http://schemas.microsoft.com/office/powerpoint/2010/main" val="3839888208"/>
+      </p:ext>
+    </p:extLst>
+  </p:cSld>
+  <p:clrMapOvr>
+    <a:masterClrMapping/>
+  </p:clrMapOvr>
+</p:notes>
+</file>
+
+<file path=ppt/notesSlides/notesSlide3.xml><?xml version="1.0" encoding="utf-8"?>
+<p:notes xmlns:a="http://schemas.openxmlformats.org/drawingml/2006/main" xmlns:r="http://schemas.openxmlformats.org/officeDocument/2006/relationships" xmlns:p="http://schemas.openxmlformats.org/presentationml/2006/main">
+  <p:cSld>
+    <p:spTree>
+      <p:nvGrpSpPr>
+        <p:cNvPr id="1" name=""/>
+        <p:cNvGrpSpPr/>
+        <p:nvPr/>
+      </p:nvGrpSpPr>
+      <p:grpSpPr>
+        <a:xfrm>
+          <a:off x="0" y="0"/>
+          <a:ext cx="0" cy="0"/>
+          <a:chOff x="0" y="0"/>
+          <a:chExt cx="0" cy="0"/>
+        </a:xfrm>
+      </p:grpSpPr>
+      <p:sp>
+        <p:nvSpPr>
+          <p:cNvPr id="2" name="Slide Image Placeholder 1"/>
+          <p:cNvSpPr>
+            <a:spLocks noGrp="1" noRot="1" noChangeAspect="1"/>
+          </p:cNvSpPr>
+          <p:nvPr>
+            <p:ph type="sldImg"/>
+          </p:nvPr>
+        </p:nvSpPr>
+        <p:spPr/>
+      </p:sp>
+      <p:sp>
+        <p:nvSpPr>
+          <p:cNvPr id="3" name="Notes Placeholder 2"/>
+          <p:cNvSpPr>
+            <a:spLocks noGrp="1"/>
+          </p:cNvSpPr>
+          <p:nvPr>
+            <p:ph type="body" idx="1"/>
+          </p:nvPr>
+        </p:nvSpPr>
+        <p:spPr/>
+        <p:txBody>
+          <a:bodyPr/>
+          <a:lstStyle/>
+          <a:p>
+            <a:pPr marL="0" marR="0" lvl="0" indent="0" algn="l" defTabSz="914400" rtl="0" eaLnBrk="1" fontAlgn="auto" latinLnBrk="0" hangingPunct="1">
+              <a:lnSpc>
+                <a:spcPct val="100000"/>
+              </a:lnSpc>
+              <a:spcBef>
+                <a:spcPts val="0"/>
+              </a:spcBef>
+              <a:spcAft>
+                <a:spcPts val="0"/>
+              </a:spcAft>
+              <a:buClrTx/>
+              <a:buSzTx/>
+              <a:buFontTx/>
+              <a:buNone/>
+              <a:tabLst/>
+              <a:defRPr/>
+            </a:pPr>
+            <a:r>
+              <a:rPr lang="en-US" sz="1200" kern="1200" dirty="0">
+                <a:solidFill>
+                  <a:schemeClr val="tx1"/>
+                </a:solidFill>
+                <a:effectLst/>
+                <a:latin typeface="+mn-lt"/>
+                <a:ea typeface="+mn-ea"/>
+                <a:cs typeface="+mn-cs"/>
+              </a:rPr>
+              <a:t>Motivation &amp; Summary Slide</a:t>
+            </a:r>
+          </a:p>
+          <a:p>
+            <a:pPr marL="0" marR="0" lvl="0" indent="0" algn="l" defTabSz="914400" rtl="0" eaLnBrk="1" fontAlgn="auto" latinLnBrk="0" hangingPunct="1">
+              <a:lnSpc>
+                <a:spcPct val="100000"/>
+              </a:lnSpc>
+              <a:spcBef>
+                <a:spcPts val="0"/>
+              </a:spcBef>
+              <a:spcAft>
+                <a:spcPts val="0"/>
+              </a:spcAft>
+              <a:buClrTx/>
+              <a:buSzTx/>
+              <a:buFontTx/>
+              <a:buNone/>
+              <a:tabLst/>
+              <a:defRPr/>
+            </a:pPr>
+            <a:endParaRPr lang="en-US" sz="1200" kern="1200" dirty="0">
+              <a:solidFill>
+                <a:schemeClr val="tx1"/>
+              </a:solidFill>
+              <a:effectLst/>
+              <a:latin typeface="+mn-lt"/>
+              <a:ea typeface="+mn-ea"/>
+              <a:cs typeface="+mn-cs"/>
+            </a:endParaRPr>
+          </a:p>
+          <a:p>
+            <a:r>
+              <a:rPr lang="en-US" sz="1200" kern="1200" dirty="0">
+                <a:solidFill>
+                  <a:schemeClr val="tx1"/>
+                </a:solidFill>
+                <a:effectLst/>
+                <a:latin typeface="+mn-lt"/>
+                <a:ea typeface="+mn-ea"/>
+                <a:cs typeface="+mn-cs"/>
+              </a:rPr>
+              <a:t> * Define the core message or hypothesis of your project.</a:t>
+            </a:r>
+          </a:p>
+          <a:p>
+            <a:r>
+              <a:rPr lang="en-US" sz="1200" kern="1200" dirty="0">
+                <a:solidFill>
+                  <a:schemeClr val="tx1"/>
+                </a:solidFill>
+                <a:effectLst/>
+                <a:latin typeface="+mn-lt"/>
+                <a:ea typeface="+mn-ea"/>
+                <a:cs typeface="+mn-cs"/>
+              </a:rPr>
+              <a:t>  * Describe the questions you asked, and _</a:t>
+            </a:r>
+            <a:r>
+              <a:rPr lang="en-US" sz="1200" i="1" kern="1200" dirty="0">
+                <a:solidFill>
+                  <a:schemeClr val="tx1"/>
+                </a:solidFill>
+                <a:effectLst/>
+                <a:latin typeface="+mn-lt"/>
+                <a:ea typeface="+mn-ea"/>
+                <a:cs typeface="+mn-cs"/>
+              </a:rPr>
+              <a:t>why</a:t>
+            </a:r>
+            <a:r>
+              <a:rPr lang="en-US" sz="1200" kern="1200" dirty="0">
+                <a:solidFill>
+                  <a:schemeClr val="tx1"/>
+                </a:solidFill>
+                <a:effectLst/>
+                <a:latin typeface="+mn-lt"/>
+                <a:ea typeface="+mn-ea"/>
+                <a:cs typeface="+mn-cs"/>
+              </a:rPr>
+              <a:t>_ you asked them</a:t>
+            </a:r>
+          </a:p>
+          <a:p>
+            <a:r>
+              <a:rPr lang="en-US" sz="1200" kern="1200" dirty="0">
+                <a:solidFill>
+                  <a:schemeClr val="tx1"/>
+                </a:solidFill>
+                <a:effectLst/>
+                <a:latin typeface="+mn-lt"/>
+                <a:ea typeface="+mn-ea"/>
+                <a:cs typeface="+mn-cs"/>
+              </a:rPr>
+              <a:t>  * Describe whether you were able to answer these questions to your satisfaction, and briefly summarize your findings</a:t>
+            </a:r>
+            <a:endParaRPr lang="en-US" dirty="0"/>
+          </a:p>
+        </p:txBody>
+      </p:sp>
+      <p:sp>
+        <p:nvSpPr>
+          <p:cNvPr id="4" name="Slide Number Placeholder 3"/>
+          <p:cNvSpPr>
+            <a:spLocks noGrp="1"/>
+          </p:cNvSpPr>
+          <p:nvPr>
+            <p:ph type="sldNum" sz="quarter" idx="5"/>
+          </p:nvPr>
+        </p:nvSpPr>
+        <p:spPr/>
+        <p:txBody>
+          <a:bodyPr/>
+          <a:lstStyle/>
+          <a:p>
+            <a:fld id="{00CD4E95-15EC-4946-8EB1-8EEE30E889E3}" type="slidenum">
+              <a:rPr lang="en-US" smtClean="0"/>
+              <a:t>4</a:t>
+            </a:fld>
+            <a:endParaRPr lang="en-US"/>
+          </a:p>
+        </p:txBody>
+      </p:sp>
+    </p:spTree>
+    <p:extLst>
+      <p:ext uri="{BB962C8B-B14F-4D97-AF65-F5344CB8AC3E}">
+        <p14:creationId xmlns:p14="http://schemas.microsoft.com/office/powerpoint/2010/main" val="3930063517"/>
+      </p:ext>
+    </p:extLst>
+  </p:cSld>
+  <p:clrMapOvr>
+    <a:masterClrMapping/>
+  </p:clrMapOvr>
+</p:notes>
+</file>
+
+<file path=ppt/notesSlides/notesSlide4.xml><?xml version="1.0" encoding="utf-8"?>
+<p:notes xmlns:a="http://schemas.openxmlformats.org/drawingml/2006/main" xmlns:r="http://schemas.openxmlformats.org/officeDocument/2006/relationships" xmlns:p="http://schemas.openxmlformats.org/presentationml/2006/main">
+  <p:cSld>
+    <p:spTree>
+      <p:nvGrpSpPr>
+        <p:cNvPr id="1" name=""/>
+        <p:cNvGrpSpPr/>
+        <p:nvPr/>
+      </p:nvGrpSpPr>
+      <p:grpSpPr>
+        <a:xfrm>
+          <a:off x="0" y="0"/>
+          <a:ext cx="0" cy="0"/>
+          <a:chOff x="0" y="0"/>
+          <a:chExt cx="0" cy="0"/>
+        </a:xfrm>
+      </p:grpSpPr>
+      <p:sp>
+        <p:nvSpPr>
+          <p:cNvPr id="2" name="Slide Image Placeholder 1"/>
+          <p:cNvSpPr>
+            <a:spLocks noGrp="1" noRot="1" noChangeAspect="1"/>
+          </p:cNvSpPr>
+          <p:nvPr>
+            <p:ph type="sldImg"/>
+          </p:nvPr>
+        </p:nvSpPr>
+        <p:spPr/>
+      </p:sp>
+      <p:sp>
+        <p:nvSpPr>
+          <p:cNvPr id="3" name="Notes Placeholder 2"/>
+          <p:cNvSpPr>
+            <a:spLocks noGrp="1"/>
+          </p:cNvSpPr>
+          <p:nvPr>
+            <p:ph type="body" idx="1"/>
+          </p:nvPr>
+        </p:nvSpPr>
+        <p:spPr/>
+        <p:txBody>
+          <a:bodyPr/>
+          <a:lstStyle/>
+          <a:p>
+            <a:r>
+              <a:rPr lang="en-US" sz="1200" kern="1200" dirty="0">
+                <a:solidFill>
+                  <a:schemeClr val="tx1"/>
+                </a:solidFill>
+                <a:effectLst/>
+                <a:latin typeface="+mn-lt"/>
+                <a:ea typeface="+mn-ea"/>
+                <a:cs typeface="+mn-cs"/>
+              </a:rPr>
+              <a:t> Questions &amp; Data</a:t>
+            </a:r>
+          </a:p>
+          <a:p>
+            <a:r>
+              <a:rPr lang="en-US" sz="1200" kern="1200" dirty="0">
+                <a:solidFill>
+                  <a:schemeClr val="tx1"/>
+                </a:solidFill>
+                <a:effectLst/>
+                <a:latin typeface="+mn-lt"/>
+                <a:ea typeface="+mn-ea"/>
+                <a:cs typeface="+mn-cs"/>
+              </a:rPr>
+              <a:t>  * Elaborate on the questions you asked, describing what kinds of data you needed to answer them, and where you found it</a:t>
+            </a:r>
+          </a:p>
+        </p:txBody>
+      </p:sp>
+      <p:sp>
+        <p:nvSpPr>
+          <p:cNvPr id="4" name="Slide Number Placeholder 3"/>
+          <p:cNvSpPr>
+            <a:spLocks noGrp="1"/>
+          </p:cNvSpPr>
+          <p:nvPr>
+            <p:ph type="sldNum" sz="quarter" idx="5"/>
+          </p:nvPr>
+        </p:nvSpPr>
+        <p:spPr/>
+        <p:txBody>
+          <a:bodyPr/>
+          <a:lstStyle/>
+          <a:p>
+            <a:fld id="{00CD4E95-15EC-4946-8EB1-8EEE30E889E3}" type="slidenum">
+              <a:rPr lang="en-US" smtClean="0"/>
+              <a:t>5</a:t>
+            </a:fld>
+            <a:endParaRPr lang="en-US"/>
+          </a:p>
+        </p:txBody>
+      </p:sp>
+    </p:spTree>
+    <p:extLst>
+      <p:ext uri="{BB962C8B-B14F-4D97-AF65-F5344CB8AC3E}">
+        <p14:creationId xmlns:p14="http://schemas.microsoft.com/office/powerpoint/2010/main" val="3938968447"/>
+      </p:ext>
+    </p:extLst>
+  </p:cSld>
+  <p:clrMapOvr>
+    <a:masterClrMapping/>
+  </p:clrMapOvr>
+</p:notes>
+</file>
+
+<file path=ppt/notesSlides/notesSlide5.xml><?xml version="1.0" encoding="utf-8"?>
+<p:notes xmlns:a="http://schemas.openxmlformats.org/drawingml/2006/main" xmlns:r="http://schemas.openxmlformats.org/officeDocument/2006/relationships" xmlns:p="http://schemas.openxmlformats.org/presentationml/2006/main">
+  <p:cSld>
+    <p:spTree>
+      <p:nvGrpSpPr>
+        <p:cNvPr id="1" name=""/>
+        <p:cNvGrpSpPr/>
+        <p:nvPr/>
+      </p:nvGrpSpPr>
+      <p:grpSpPr>
+        <a:xfrm>
+          <a:off x="0" y="0"/>
+          <a:ext cx="0" cy="0"/>
+          <a:chOff x="0" y="0"/>
+          <a:chExt cx="0" cy="0"/>
+        </a:xfrm>
+      </p:grpSpPr>
+      <p:sp>
+        <p:nvSpPr>
+          <p:cNvPr id="2" name="Slide Image Placeholder 1"/>
+          <p:cNvSpPr>
+            <a:spLocks noGrp="1" noRot="1" noChangeAspect="1"/>
+          </p:cNvSpPr>
+          <p:nvPr>
+            <p:ph type="sldImg"/>
+          </p:nvPr>
+        </p:nvSpPr>
+        <p:spPr/>
+      </p:sp>
+      <p:sp>
+        <p:nvSpPr>
+          <p:cNvPr id="3" name="Notes Placeholder 2"/>
+          <p:cNvSpPr>
+            <a:spLocks noGrp="1"/>
+          </p:cNvSpPr>
+          <p:nvPr>
+            <p:ph type="body" idx="1"/>
+          </p:nvPr>
+        </p:nvSpPr>
+        <p:spPr/>
+        <p:txBody>
+          <a:bodyPr/>
+          <a:lstStyle/>
+          <a:p>
+            <a:r>
+              <a:rPr lang="en-US" sz="1200" kern="1200" dirty="0">
+                <a:solidFill>
+                  <a:schemeClr val="tx1"/>
+                </a:solidFill>
+                <a:effectLst/>
+                <a:latin typeface="+mn-lt"/>
+                <a:ea typeface="+mn-ea"/>
+                <a:cs typeface="+mn-cs"/>
+              </a:rPr>
+              <a:t>Data Cleanup &amp; Exploration</a:t>
+            </a:r>
+          </a:p>
+          <a:p>
+            <a:r>
+              <a:rPr lang="en-US" sz="1200" kern="1200" dirty="0">
+                <a:solidFill>
+                  <a:schemeClr val="tx1"/>
+                </a:solidFill>
+                <a:effectLst/>
+                <a:latin typeface="+mn-lt"/>
+                <a:ea typeface="+mn-ea"/>
+                <a:cs typeface="+mn-cs"/>
+              </a:rPr>
+              <a:t>  * Describe the exploration and cleanup process</a:t>
+            </a:r>
+          </a:p>
+          <a:p>
+            <a:r>
+              <a:rPr lang="en-US" sz="1200" kern="1200" dirty="0">
+                <a:solidFill>
+                  <a:schemeClr val="tx1"/>
+                </a:solidFill>
+                <a:effectLst/>
+                <a:latin typeface="+mn-lt"/>
+                <a:ea typeface="+mn-ea"/>
+                <a:cs typeface="+mn-cs"/>
+              </a:rPr>
+              <a:t>  * Discuss insights you had while exploring the data that you didn't anticipate</a:t>
+            </a:r>
+          </a:p>
+          <a:p>
+            <a:r>
+              <a:rPr lang="en-US" sz="1200" kern="1200" dirty="0">
+                <a:solidFill>
+                  <a:schemeClr val="tx1"/>
+                </a:solidFill>
+                <a:effectLst/>
+                <a:latin typeface="+mn-lt"/>
+                <a:ea typeface="+mn-ea"/>
+                <a:cs typeface="+mn-cs"/>
+              </a:rPr>
+              <a:t>  * Discuss any problems that arose after exploring the data, and how you resolved them</a:t>
+            </a:r>
+          </a:p>
+          <a:p>
+            <a:r>
+              <a:rPr lang="en-US" sz="1200" kern="1200" dirty="0">
+                <a:solidFill>
+                  <a:schemeClr val="tx1"/>
+                </a:solidFill>
+                <a:effectLst/>
+                <a:latin typeface="+mn-lt"/>
+                <a:ea typeface="+mn-ea"/>
+                <a:cs typeface="+mn-cs"/>
+              </a:rPr>
+              <a:t>  * Present and discuss interesting figures developed during exploration, ideally with the help of </a:t>
+            </a:r>
+            <a:r>
+              <a:rPr lang="en-US" sz="1200" kern="1200" dirty="0" err="1">
+                <a:solidFill>
+                  <a:schemeClr val="tx1"/>
+                </a:solidFill>
+                <a:effectLst/>
+                <a:latin typeface="+mn-lt"/>
+                <a:ea typeface="+mn-ea"/>
+                <a:cs typeface="+mn-cs"/>
+              </a:rPr>
+              <a:t>Jupyter</a:t>
+            </a:r>
+            <a:r>
+              <a:rPr lang="en-US" sz="1200" kern="1200" dirty="0">
+                <a:solidFill>
+                  <a:schemeClr val="tx1"/>
+                </a:solidFill>
+                <a:effectLst/>
+                <a:latin typeface="+mn-lt"/>
+                <a:ea typeface="+mn-ea"/>
+                <a:cs typeface="+mn-cs"/>
+              </a:rPr>
+              <a:t> Notebook</a:t>
+            </a:r>
+          </a:p>
+        </p:txBody>
+      </p:sp>
+      <p:sp>
+        <p:nvSpPr>
+          <p:cNvPr id="4" name="Slide Number Placeholder 3"/>
+          <p:cNvSpPr>
+            <a:spLocks noGrp="1"/>
+          </p:cNvSpPr>
+          <p:nvPr>
+            <p:ph type="sldNum" sz="quarter" idx="5"/>
+          </p:nvPr>
+        </p:nvSpPr>
+        <p:spPr/>
+        <p:txBody>
+          <a:bodyPr/>
+          <a:lstStyle/>
+          <a:p>
+            <a:fld id="{00CD4E95-15EC-4946-8EB1-8EEE30E889E3}" type="slidenum">
+              <a:rPr lang="en-US" smtClean="0"/>
+              <a:t>6</a:t>
+            </a:fld>
+            <a:endParaRPr lang="en-US"/>
+          </a:p>
+        </p:txBody>
+      </p:sp>
+    </p:spTree>
+    <p:extLst>
+      <p:ext uri="{BB962C8B-B14F-4D97-AF65-F5344CB8AC3E}">
+        <p14:creationId xmlns:p14="http://schemas.microsoft.com/office/powerpoint/2010/main" val="1649696275"/>
+      </p:ext>
+    </p:extLst>
+  </p:cSld>
+  <p:clrMapOvr>
+    <a:masterClrMapping/>
+  </p:clrMapOvr>
+</p:notes>
+</file>
+
+<file path=ppt/notesSlides/notesSlide6.xml><?xml version="1.0" encoding="utf-8"?>
+<p:notes xmlns:a="http://schemas.openxmlformats.org/drawingml/2006/main" xmlns:r="http://schemas.openxmlformats.org/officeDocument/2006/relationships" xmlns:p="http://schemas.openxmlformats.org/presentationml/2006/main">
+  <p:cSld>
+    <p:spTree>
+      <p:nvGrpSpPr>
+        <p:cNvPr id="1" name=""/>
+        <p:cNvGrpSpPr/>
+        <p:nvPr/>
+      </p:nvGrpSpPr>
+      <p:grpSpPr>
+        <a:xfrm>
+          <a:off x="0" y="0"/>
+          <a:ext cx="0" cy="0"/>
+          <a:chOff x="0" y="0"/>
+          <a:chExt cx="0" cy="0"/>
+        </a:xfrm>
+      </p:grpSpPr>
+      <p:sp>
+        <p:nvSpPr>
+          <p:cNvPr id="2" name="Slide Image Placeholder 1"/>
+          <p:cNvSpPr>
+            <a:spLocks noGrp="1" noRot="1" noChangeAspect="1"/>
+          </p:cNvSpPr>
+          <p:nvPr>
+            <p:ph type="sldImg"/>
+          </p:nvPr>
+        </p:nvSpPr>
+        <p:spPr/>
+      </p:sp>
+      <p:sp>
+        <p:nvSpPr>
+          <p:cNvPr id="3" name="Notes Placeholder 2"/>
+          <p:cNvSpPr>
+            <a:spLocks noGrp="1"/>
+          </p:cNvSpPr>
+          <p:nvPr>
+            <p:ph type="body" idx="1"/>
+          </p:nvPr>
+        </p:nvSpPr>
+        <p:spPr/>
+        <p:txBody>
+          <a:bodyPr/>
+          <a:lstStyle/>
+          <a:p>
+            <a:r>
+              <a:rPr lang="en-US" sz="1200" kern="1200" dirty="0">
+                <a:solidFill>
+                  <a:schemeClr val="tx1"/>
+                </a:solidFill>
+                <a:effectLst/>
+                <a:latin typeface="+mn-lt"/>
+                <a:ea typeface="+mn-ea"/>
+                <a:cs typeface="+mn-cs"/>
+              </a:rPr>
+              <a:t>* Data Analysis</a:t>
+            </a:r>
+          </a:p>
+          <a:p>
+            <a:r>
+              <a:rPr lang="en-US" sz="1200" kern="1200" dirty="0">
+                <a:solidFill>
+                  <a:schemeClr val="tx1"/>
+                </a:solidFill>
+                <a:effectLst/>
+                <a:latin typeface="+mn-lt"/>
+                <a:ea typeface="+mn-ea"/>
+                <a:cs typeface="+mn-cs"/>
+              </a:rPr>
+              <a:t>  * Discuss the steps you took to analyze the data and answer each question you asked in your proposal</a:t>
+            </a:r>
+          </a:p>
+          <a:p>
+            <a:r>
+              <a:rPr lang="en-US" sz="1200" kern="1200" dirty="0">
+                <a:solidFill>
+                  <a:schemeClr val="tx1"/>
+                </a:solidFill>
+                <a:effectLst/>
+                <a:latin typeface="+mn-lt"/>
+                <a:ea typeface="+mn-ea"/>
+                <a:cs typeface="+mn-cs"/>
+              </a:rPr>
+              <a:t>  * Present and discuss interesting figures developed during analysis, ideally with the help of </a:t>
+            </a:r>
+            <a:r>
+              <a:rPr lang="en-US" sz="1200" kern="1200" dirty="0" err="1">
+                <a:solidFill>
+                  <a:schemeClr val="tx1"/>
+                </a:solidFill>
+                <a:effectLst/>
+                <a:latin typeface="+mn-lt"/>
+                <a:ea typeface="+mn-ea"/>
+                <a:cs typeface="+mn-cs"/>
+              </a:rPr>
+              <a:t>Jupyter</a:t>
+            </a:r>
+            <a:r>
+              <a:rPr lang="en-US" sz="1200" kern="1200" dirty="0">
+                <a:solidFill>
+                  <a:schemeClr val="tx1"/>
+                </a:solidFill>
+                <a:effectLst/>
+                <a:latin typeface="+mn-lt"/>
+                <a:ea typeface="+mn-ea"/>
+                <a:cs typeface="+mn-cs"/>
+              </a:rPr>
+              <a:t> Notebook</a:t>
+            </a:r>
+          </a:p>
+        </p:txBody>
+      </p:sp>
+      <p:sp>
+        <p:nvSpPr>
+          <p:cNvPr id="4" name="Slide Number Placeholder 3"/>
+          <p:cNvSpPr>
+            <a:spLocks noGrp="1"/>
+          </p:cNvSpPr>
+          <p:nvPr>
+            <p:ph type="sldNum" sz="quarter" idx="5"/>
+          </p:nvPr>
+        </p:nvSpPr>
+        <p:spPr/>
+        <p:txBody>
+          <a:bodyPr/>
+          <a:lstStyle/>
+          <a:p>
+            <a:fld id="{00CD4E95-15EC-4946-8EB1-8EEE30E889E3}" type="slidenum">
+              <a:rPr lang="en-US" smtClean="0"/>
+              <a:t>7</a:t>
+            </a:fld>
+            <a:endParaRPr lang="en-US"/>
+          </a:p>
+        </p:txBody>
+      </p:sp>
+    </p:spTree>
+    <p:extLst>
+      <p:ext uri="{BB962C8B-B14F-4D97-AF65-F5344CB8AC3E}">
+        <p14:creationId xmlns:p14="http://schemas.microsoft.com/office/powerpoint/2010/main" val="895277991"/>
+      </p:ext>
+    </p:extLst>
+  </p:cSld>
+  <p:clrMapOvr>
+    <a:masterClrMapping/>
+  </p:clrMapOvr>
+</p:notes>
+</file>
+
+<file path=ppt/notesSlides/notesSlide7.xml><?xml version="1.0" encoding="utf-8"?>
+<p:notes xmlns:a="http://schemas.openxmlformats.org/drawingml/2006/main" xmlns:r="http://schemas.openxmlformats.org/officeDocument/2006/relationships" xmlns:p="http://schemas.openxmlformats.org/presentationml/2006/main">
+  <p:cSld>
+    <p:spTree>
+      <p:nvGrpSpPr>
+        <p:cNvPr id="1" name=""/>
+        <p:cNvGrpSpPr/>
+        <p:nvPr/>
+      </p:nvGrpSpPr>
+      <p:grpSpPr>
+        <a:xfrm>
+          <a:off x="0" y="0"/>
+          <a:ext cx="0" cy="0"/>
+          <a:chOff x="0" y="0"/>
+          <a:chExt cx="0" cy="0"/>
+        </a:xfrm>
+      </p:grpSpPr>
+      <p:sp>
+        <p:nvSpPr>
+          <p:cNvPr id="2" name="Slide Image Placeholder 1"/>
+          <p:cNvSpPr>
+            <a:spLocks noGrp="1" noRot="1" noChangeAspect="1"/>
+          </p:cNvSpPr>
+          <p:nvPr>
+            <p:ph type="sldImg"/>
+          </p:nvPr>
+        </p:nvSpPr>
+        <p:spPr/>
+      </p:sp>
+      <p:sp>
+        <p:nvSpPr>
+          <p:cNvPr id="3" name="Notes Placeholder 2"/>
+          <p:cNvSpPr>
+            <a:spLocks noGrp="1"/>
+          </p:cNvSpPr>
+          <p:nvPr>
+            <p:ph type="body" idx="1"/>
+          </p:nvPr>
+        </p:nvSpPr>
+        <p:spPr/>
+        <p:txBody>
+          <a:bodyPr/>
+          <a:lstStyle/>
+          <a:p>
+            <a:r>
+              <a:rPr lang="en-US" sz="1200" kern="1200" dirty="0">
+                <a:solidFill>
+                  <a:schemeClr val="tx1"/>
+                </a:solidFill>
+                <a:effectLst/>
+                <a:latin typeface="+mn-lt"/>
+                <a:ea typeface="+mn-ea"/>
+                <a:cs typeface="+mn-cs"/>
+              </a:rPr>
+              <a:t>* Discussion</a:t>
+            </a:r>
+          </a:p>
+          <a:p>
+            <a:r>
+              <a:rPr lang="en-US" sz="1200" kern="1200" dirty="0">
+                <a:solidFill>
+                  <a:schemeClr val="tx1"/>
+                </a:solidFill>
+                <a:effectLst/>
+                <a:latin typeface="+mn-lt"/>
+                <a:ea typeface="+mn-ea"/>
+                <a:cs typeface="+mn-cs"/>
+              </a:rPr>
+              <a:t>  * Discuss your findings. Did you find what you expected to find? If not, why not? What inferences or general conclusions can you draw from your analysis?</a:t>
+            </a:r>
+          </a:p>
+        </p:txBody>
+      </p:sp>
+      <p:sp>
+        <p:nvSpPr>
+          <p:cNvPr id="4" name="Slide Number Placeholder 3"/>
+          <p:cNvSpPr>
+            <a:spLocks noGrp="1"/>
+          </p:cNvSpPr>
+          <p:nvPr>
+            <p:ph type="sldNum" sz="quarter" idx="5"/>
+          </p:nvPr>
+        </p:nvSpPr>
+        <p:spPr/>
+        <p:txBody>
+          <a:bodyPr/>
+          <a:lstStyle/>
+          <a:p>
+            <a:fld id="{00CD4E95-15EC-4946-8EB1-8EEE30E889E3}" type="slidenum">
+              <a:rPr lang="en-US" smtClean="0"/>
+              <a:t>8</a:t>
+            </a:fld>
+            <a:endParaRPr lang="en-US"/>
+          </a:p>
+        </p:txBody>
+      </p:sp>
+    </p:spTree>
+    <p:extLst>
+      <p:ext uri="{BB962C8B-B14F-4D97-AF65-F5344CB8AC3E}">
+        <p14:creationId xmlns:p14="http://schemas.microsoft.com/office/powerpoint/2010/main" val="2366681864"/>
+      </p:ext>
+    </p:extLst>
+  </p:cSld>
+  <p:clrMapOvr>
+    <a:masterClrMapping/>
+  </p:clrMapOvr>
+</p:notes>
+</file>
+
+<file path=ppt/notesSlides/notesSlide8.xml><?xml version="1.0" encoding="utf-8"?>
+<p:notes xmlns:a="http://schemas.openxmlformats.org/drawingml/2006/main" xmlns:r="http://schemas.openxmlformats.org/officeDocument/2006/relationships" xmlns:p="http://schemas.openxmlformats.org/presentationml/2006/main">
+  <p:cSld>
+    <p:spTree>
+      <p:nvGrpSpPr>
+        <p:cNvPr id="1" name=""/>
+        <p:cNvGrpSpPr/>
+        <p:nvPr/>
+      </p:nvGrpSpPr>
+      <p:grpSpPr>
+        <a:xfrm>
+          <a:off x="0" y="0"/>
+          <a:ext cx="0" cy="0"/>
+          <a:chOff x="0" y="0"/>
+          <a:chExt cx="0" cy="0"/>
+        </a:xfrm>
+      </p:grpSpPr>
+      <p:sp>
+        <p:nvSpPr>
+          <p:cNvPr id="2" name="Slide Image Placeholder 1"/>
+          <p:cNvSpPr>
+            <a:spLocks noGrp="1" noRot="1" noChangeAspect="1"/>
+          </p:cNvSpPr>
+          <p:nvPr>
+            <p:ph type="sldImg"/>
+          </p:nvPr>
+        </p:nvSpPr>
+        <p:spPr/>
+      </p:sp>
+      <p:sp>
+        <p:nvSpPr>
+          <p:cNvPr id="3" name="Notes Placeholder 2"/>
+          <p:cNvSpPr>
+            <a:spLocks noGrp="1"/>
+          </p:cNvSpPr>
+          <p:nvPr>
+            <p:ph type="body" idx="1"/>
+          </p:nvPr>
+        </p:nvSpPr>
+        <p:spPr/>
+        <p:txBody>
+          <a:bodyPr/>
+          <a:lstStyle/>
+          <a:p>
+            <a:r>
+              <a:rPr lang="en-US" sz="1200" kern="1200" dirty="0">
+                <a:solidFill>
+                  <a:schemeClr val="tx1"/>
+                </a:solidFill>
+                <a:effectLst/>
+                <a:latin typeface="+mn-lt"/>
+                <a:ea typeface="+mn-ea"/>
+                <a:cs typeface="+mn-cs"/>
+              </a:rPr>
+              <a:t>* Postmortem</a:t>
+            </a:r>
+          </a:p>
+          <a:p>
+            <a:endParaRPr lang="en-US" sz="1200" kern="1200" dirty="0">
+              <a:solidFill>
+                <a:schemeClr val="tx1"/>
+              </a:solidFill>
+              <a:effectLst/>
+              <a:latin typeface="+mn-lt"/>
+              <a:ea typeface="+mn-ea"/>
+              <a:cs typeface="+mn-cs"/>
+            </a:endParaRPr>
+          </a:p>
+          <a:p>
+            <a:r>
+              <a:rPr lang="en-US" sz="1200" kern="1200" dirty="0">
+                <a:solidFill>
+                  <a:schemeClr val="tx1"/>
+                </a:solidFill>
+                <a:effectLst/>
+                <a:latin typeface="+mn-lt"/>
+                <a:ea typeface="+mn-ea"/>
+                <a:cs typeface="+mn-cs"/>
+              </a:rPr>
+              <a:t>  * Discuss any difficulties that arose, and how you dealt with them</a:t>
+            </a:r>
+          </a:p>
+          <a:p>
+            <a:r>
+              <a:rPr lang="en-US" sz="1200" kern="1200" dirty="0">
+                <a:solidFill>
+                  <a:schemeClr val="tx1"/>
+                </a:solidFill>
+                <a:effectLst/>
+                <a:latin typeface="+mn-lt"/>
+                <a:ea typeface="+mn-ea"/>
+                <a:cs typeface="+mn-cs"/>
+              </a:rPr>
+              <a:t>  * Discuss any additional questions that came up, but which you didn't have time to answer: What would you research next, if you had two more weeks?</a:t>
+            </a:r>
+          </a:p>
+        </p:txBody>
+      </p:sp>
+      <p:sp>
+        <p:nvSpPr>
+          <p:cNvPr id="4" name="Slide Number Placeholder 3"/>
+          <p:cNvSpPr>
+            <a:spLocks noGrp="1"/>
+          </p:cNvSpPr>
+          <p:nvPr>
+            <p:ph type="sldNum" sz="quarter" idx="5"/>
+          </p:nvPr>
+        </p:nvSpPr>
+        <p:spPr/>
+        <p:txBody>
+          <a:bodyPr/>
+          <a:lstStyle/>
+          <a:p>
+            <a:fld id="{00CD4E95-15EC-4946-8EB1-8EEE30E889E3}" type="slidenum">
+              <a:rPr lang="en-US" smtClean="0"/>
+              <a:t>9</a:t>
+            </a:fld>
+            <a:endParaRPr lang="en-US"/>
+          </a:p>
+        </p:txBody>
+      </p:sp>
+    </p:spTree>
+    <p:extLst>
+      <p:ext uri="{BB962C8B-B14F-4D97-AF65-F5344CB8AC3E}">
+        <p14:creationId xmlns:p14="http://schemas.microsoft.com/office/powerpoint/2010/main" val="1478812575"/>
+      </p:ext>
+    </p:extLst>
+  </p:cSld>
+  <p:clrMapOvr>
+    <a:masterClrMapping/>
+  </p:clrMapOvr>
+</p:notes>
+</file>
+
+<file path=ppt/notesSlides/notesSlide9.xml><?xml version="1.0" encoding="utf-8"?>
+<p:notes xmlns:a="http://schemas.openxmlformats.org/drawingml/2006/main" xmlns:r="http://schemas.openxmlformats.org/officeDocument/2006/relationships" xmlns:p="http://schemas.openxmlformats.org/presentationml/2006/main">
+  <p:cSld>
+    <p:spTree>
+      <p:nvGrpSpPr>
+        <p:cNvPr id="1" name=""/>
+        <p:cNvGrpSpPr/>
+        <p:nvPr/>
+      </p:nvGrpSpPr>
+      <p:grpSpPr>
+        <a:xfrm>
+          <a:off x="0" y="0"/>
+          <a:ext cx="0" cy="0"/>
+          <a:chOff x="0" y="0"/>
+          <a:chExt cx="0" cy="0"/>
+        </a:xfrm>
+      </p:grpSpPr>
+      <p:sp>
+        <p:nvSpPr>
+          <p:cNvPr id="2" name="Slide Image Placeholder 1"/>
+          <p:cNvSpPr>
+            <a:spLocks noGrp="1" noRot="1" noChangeAspect="1"/>
+          </p:cNvSpPr>
+          <p:nvPr>
+            <p:ph type="sldImg"/>
+          </p:nvPr>
+        </p:nvSpPr>
+        <p:spPr/>
+      </p:sp>
+      <p:sp>
+        <p:nvSpPr>
+          <p:cNvPr id="3" name="Notes Placeholder 2"/>
+          <p:cNvSpPr>
+            <a:spLocks noGrp="1"/>
+          </p:cNvSpPr>
+          <p:nvPr>
+            <p:ph type="body" idx="1"/>
+          </p:nvPr>
+        </p:nvSpPr>
+        <p:spPr/>
+        <p:txBody>
+          <a:bodyPr/>
+          <a:lstStyle/>
+          <a:p>
+            <a:r>
+              <a:rPr lang="en-US" sz="1200" kern="1200" dirty="0">
+                <a:solidFill>
+                  <a:schemeClr val="tx1"/>
+                </a:solidFill>
+                <a:effectLst/>
+                <a:latin typeface="+mn-lt"/>
+                <a:ea typeface="+mn-ea"/>
+                <a:cs typeface="+mn-cs"/>
+              </a:rPr>
+              <a:t>* Questions</a:t>
+            </a:r>
+          </a:p>
+          <a:p>
+            <a:r>
+              <a:rPr lang="en-US" sz="1200" kern="1200" dirty="0">
+                <a:solidFill>
+                  <a:schemeClr val="tx1"/>
+                </a:solidFill>
+                <a:effectLst/>
+                <a:latin typeface="+mn-lt"/>
+                <a:ea typeface="+mn-ea"/>
+                <a:cs typeface="+mn-cs"/>
+              </a:rPr>
+              <a:t>  * Open-floor Q&amp;A with the audience</a:t>
+            </a:r>
+          </a:p>
+          <a:p>
+            <a:endParaRPr lang="en-US" dirty="0"/>
+          </a:p>
+        </p:txBody>
+      </p:sp>
+      <p:sp>
+        <p:nvSpPr>
+          <p:cNvPr id="4" name="Slide Number Placeholder 3"/>
+          <p:cNvSpPr>
+            <a:spLocks noGrp="1"/>
+          </p:cNvSpPr>
+          <p:nvPr>
+            <p:ph type="sldNum" sz="quarter" idx="5"/>
+          </p:nvPr>
+        </p:nvSpPr>
+        <p:spPr/>
+        <p:txBody>
+          <a:bodyPr/>
+          <a:lstStyle/>
+          <a:p>
+            <a:fld id="{00CD4E95-15EC-4946-8EB1-8EEE30E889E3}" type="slidenum">
+              <a:rPr lang="en-US" smtClean="0"/>
+              <a:t>10</a:t>
+            </a:fld>
+            <a:endParaRPr lang="en-US"/>
+          </a:p>
+        </p:txBody>
+      </p:sp>
+    </p:spTree>
+    <p:extLst>
+      <p:ext uri="{BB962C8B-B14F-4D97-AF65-F5344CB8AC3E}">
+        <p14:creationId xmlns:p14="http://schemas.microsoft.com/office/powerpoint/2010/main" val="542723777"/>
+      </p:ext>
+    </p:extLst>
+  </p:cSld>
+  <p:clrMapOvr>
+    <a:masterClrMapping/>
+  </p:clrMapOvr>
+</p:notes>
+</file>
+
 <file path=ppt/slideLayouts/slideLayout1.xml><?xml version="1.0" encoding="utf-8"?>
 <p:sldLayout xmlns:a="http://schemas.openxmlformats.org/drawingml/2006/main" xmlns:r="http://schemas.openxmlformats.org/officeDocument/2006/relationships" xmlns:p="http://schemas.openxmlformats.org/presentationml/2006/main" type="title" preserve="1">
   <p:cSld name="Title Slide">
@@ -4315,7 +5511,7 @@
           <a:p>
             <a:fld id="{76390919-E38A-43AC-80A0-C781043285AC}" type="datetimeFigureOut">
               <a:rPr lang="en-US" smtClean="0"/>
-              <a:t>6/20/2020</a:t>
+              <a:t>6/23/20</a:t>
             </a:fld>
             <a:endParaRPr lang="en-US"/>
           </a:p>
@@ -4513,7 +5709,7 @@
           <a:p>
             <a:fld id="{76390919-E38A-43AC-80A0-C781043285AC}" type="datetimeFigureOut">
               <a:rPr lang="en-US" smtClean="0"/>
-              <a:t>6/20/2020</a:t>
+              <a:t>6/23/20</a:t>
             </a:fld>
             <a:endParaRPr lang="en-US"/>
           </a:p>
@@ -4721,7 +5917,7 @@
           <a:p>
             <a:fld id="{76390919-E38A-43AC-80A0-C781043285AC}" type="datetimeFigureOut">
               <a:rPr lang="en-US" smtClean="0"/>
-              <a:t>6/20/2020</a:t>
+              <a:t>6/23/20</a:t>
             </a:fld>
             <a:endParaRPr lang="en-US"/>
           </a:p>
@@ -4919,7 +6115,7 @@
           <a:p>
             <a:fld id="{76390919-E38A-43AC-80A0-C781043285AC}" type="datetimeFigureOut">
               <a:rPr lang="en-US" smtClean="0"/>
-              <a:t>6/20/2020</a:t>
+              <a:t>6/23/20</a:t>
             </a:fld>
             <a:endParaRPr lang="en-US"/>
           </a:p>
@@ -5194,7 +6390,7 @@
           <a:p>
             <a:fld id="{76390919-E38A-43AC-80A0-C781043285AC}" type="datetimeFigureOut">
               <a:rPr lang="en-US" smtClean="0"/>
-              <a:t>6/20/2020</a:t>
+              <a:t>6/23/20</a:t>
             </a:fld>
             <a:endParaRPr lang="en-US"/>
           </a:p>
@@ -5459,7 +6655,7 @@
           <a:p>
             <a:fld id="{76390919-E38A-43AC-80A0-C781043285AC}" type="datetimeFigureOut">
               <a:rPr lang="en-US" smtClean="0"/>
-              <a:t>6/20/2020</a:t>
+              <a:t>6/23/20</a:t>
             </a:fld>
             <a:endParaRPr lang="en-US"/>
           </a:p>
@@ -5871,7 +7067,7 @@
           <a:p>
             <a:fld id="{76390919-E38A-43AC-80A0-C781043285AC}" type="datetimeFigureOut">
               <a:rPr lang="en-US" smtClean="0"/>
-              <a:t>6/20/2020</a:t>
+              <a:t>6/23/20</a:t>
             </a:fld>
             <a:endParaRPr lang="en-US"/>
           </a:p>
@@ -6012,7 +7208,7 @@
           <a:p>
             <a:fld id="{76390919-E38A-43AC-80A0-C781043285AC}" type="datetimeFigureOut">
               <a:rPr lang="en-US" smtClean="0"/>
-              <a:t>6/20/2020</a:t>
+              <a:t>6/23/20</a:t>
             </a:fld>
             <a:endParaRPr lang="en-US"/>
           </a:p>
@@ -6125,7 +7321,7 @@
           <a:p>
             <a:fld id="{76390919-E38A-43AC-80A0-C781043285AC}" type="datetimeFigureOut">
               <a:rPr lang="en-US" smtClean="0"/>
-              <a:t>6/20/2020</a:t>
+              <a:t>6/23/20</a:t>
             </a:fld>
             <a:endParaRPr lang="en-US"/>
           </a:p>
@@ -6436,7 +7632,7 @@
           <a:p>
             <a:fld id="{76390919-E38A-43AC-80A0-C781043285AC}" type="datetimeFigureOut">
               <a:rPr lang="en-US" smtClean="0"/>
-              <a:t>6/20/2020</a:t>
+              <a:t>6/23/20</a:t>
             </a:fld>
             <a:endParaRPr lang="en-US"/>
           </a:p>
@@ -6724,7 +7920,7 @@
           <a:p>
             <a:fld id="{76390919-E38A-43AC-80A0-C781043285AC}" type="datetimeFigureOut">
               <a:rPr lang="en-US" smtClean="0"/>
-              <a:t>6/20/2020</a:t>
+              <a:t>6/23/20</a:t>
             </a:fld>
             <a:endParaRPr lang="en-US"/>
           </a:p>
@@ -6965,7 +8161,7 @@
           <a:p>
             <a:fld id="{76390919-E38A-43AC-80A0-C781043285AC}" type="datetimeFigureOut">
               <a:rPr lang="en-US" smtClean="0"/>
-              <a:t>6/20/2020</a:t>
+              <a:t>6/23/20</a:t>
             </a:fld>
             <a:endParaRPr lang="en-US"/>
           </a:p>
@@ -7406,7 +8602,7 @@
         </p:xfrm>
         <a:graphic>
           <a:graphicData uri="http://schemas.openxmlformats.org/drawingml/2006/diagram">
-            <dgm:relIds xmlns:dgm="http://schemas.openxmlformats.org/drawingml/2006/diagram" xmlns:r="http://schemas.openxmlformats.org/officeDocument/2006/relationships" r:dm="rId2" r:lo="rId3" r:qs="rId4" r:cs="rId5"/>
+            <dgm:relIds xmlns:dgm="http://schemas.openxmlformats.org/drawingml/2006/diagram" xmlns:r="http://schemas.openxmlformats.org/officeDocument/2006/relationships" r:dm="rId3" r:lo="rId4" r:qs="rId5" r:cs="rId6"/>
           </a:graphicData>
         </a:graphic>
       </p:graphicFrame>
@@ -7634,7 +8830,7 @@
                   <a:schemeClr val="tx1"/>
                 </a:solidFill>
               </a:rPr>
-              <a:t>A group of world renowned data scientists took upon themselves to analyze the correlations between cyclones and impacting factors.</a:t>
+              <a:t>A group of world-renowned data scientists took upon themselves to analyze the correlations between cyclones and impacting factors.</a:t>
             </a:r>
           </a:p>
         </p:txBody>
@@ -7652,8 +8848,74 @@
 </p:sld>
 </file>
 
+<file path=ppt/slides/slide10.xml><?xml version="1.0" encoding="utf-8"?>
+<p:sld xmlns:a="http://schemas.openxmlformats.org/drawingml/2006/main" xmlns:r="http://schemas.openxmlformats.org/officeDocument/2006/relationships" xmlns:p="http://schemas.openxmlformats.org/presentationml/2006/main">
+  <p:cSld>
+    <p:spTree>
+      <p:nvGrpSpPr>
+        <p:cNvPr id="1" name=""/>
+        <p:cNvGrpSpPr/>
+        <p:nvPr/>
+      </p:nvGrpSpPr>
+      <p:grpSpPr>
+        <a:xfrm>
+          <a:off x="0" y="0"/>
+          <a:ext cx="0" cy="0"/>
+          <a:chOff x="0" y="0"/>
+          <a:chExt cx="0" cy="0"/>
+        </a:xfrm>
+      </p:grpSpPr>
+      <p:sp>
+        <p:nvSpPr>
+          <p:cNvPr id="3" name="TextBox 2">
+            <a:extLst>
+              <a:ext uri="{FF2B5EF4-FFF2-40B4-BE49-F238E27FC236}">
+                <a16:creationId xmlns:a16="http://schemas.microsoft.com/office/drawing/2014/main" id="{B8B1CF07-922B-CB42-805A-C8FB4E2F6DEB}"/>
+              </a:ext>
+            </a:extLst>
+          </p:cNvPr>
+          <p:cNvSpPr txBox="1"/>
+          <p:nvPr/>
+        </p:nvSpPr>
+        <p:spPr>
+          <a:xfrm>
+            <a:off x="1366603" y="809469"/>
+            <a:ext cx="9458794" cy="1200329"/>
+          </a:xfrm>
+          <a:prstGeom prst="rect">
+            <a:avLst/>
+          </a:prstGeom>
+          <a:noFill/>
+        </p:spPr>
+        <p:txBody>
+          <a:bodyPr wrap="square" rtlCol="0">
+            <a:spAutoFit/>
+          </a:bodyPr>
+          <a:lstStyle/>
+          <a:p>
+            <a:pPr algn="ctr"/>
+            <a:r>
+              <a:rPr lang="en-US" sz="7200" dirty="0"/>
+              <a:t>Q&amp;A</a:t>
+            </a:r>
+          </a:p>
+        </p:txBody>
+      </p:sp>
+    </p:spTree>
+    <p:extLst>
+      <p:ext uri="{BB962C8B-B14F-4D97-AF65-F5344CB8AC3E}">
+        <p14:creationId xmlns:p14="http://schemas.microsoft.com/office/powerpoint/2010/main" val="943198174"/>
+      </p:ext>
+    </p:extLst>
+  </p:cSld>
+  <p:clrMapOvr>
+    <a:masterClrMapping/>
+  </p:clrMapOvr>
+</p:sld>
+</file>
+
 <file path=ppt/slides/slide2.xml><?xml version="1.0" encoding="utf-8"?>
-<p:sld xmlns:a="http://schemas.openxmlformats.org/drawingml/2006/main" xmlns:r="http://schemas.openxmlformats.org/officeDocument/2006/relationships" xmlns:p="http://schemas.openxmlformats.org/presentationml/2006/main">
+<p:sld xmlns:a="http://schemas.openxmlformats.org/drawingml/2006/main" xmlns:r="http://schemas.openxmlformats.org/officeDocument/2006/relationships" xmlns:p="http://schemas.openxmlformats.org/presentationml/2006/main" show="0">
   <p:cSld>
     <p:spTree>
       <p:nvGrpSpPr>
@@ -8578,7 +9840,7 @@
 </file>
 
 <file path=ppt/slides/slide3.xml><?xml version="1.0" encoding="utf-8"?>
-<p:sld xmlns:a="http://schemas.openxmlformats.org/drawingml/2006/main" xmlns:r="http://schemas.openxmlformats.org/officeDocument/2006/relationships" xmlns:p="http://schemas.openxmlformats.org/presentationml/2006/main">
+<p:sld xmlns:a="http://schemas.openxmlformats.org/drawingml/2006/main" xmlns:r="http://schemas.openxmlformats.org/officeDocument/2006/relationships" xmlns:p="http://schemas.openxmlformats.org/presentationml/2006/main" show="0">
   <p:cSld>
     <p:spTree>
       <p:nvGrpSpPr>
@@ -8874,6 +10136,877 @@
     <p:extLst>
       <p:ext uri="{BB962C8B-B14F-4D97-AF65-F5344CB8AC3E}">
         <p14:creationId xmlns:p14="http://schemas.microsoft.com/office/powerpoint/2010/main" val="2574806067"/>
+      </p:ext>
+    </p:extLst>
+  </p:cSld>
+  <p:clrMapOvr>
+    <a:masterClrMapping/>
+  </p:clrMapOvr>
+</p:sld>
+</file>
+
+<file path=ppt/slides/slide4.xml><?xml version="1.0" encoding="utf-8"?>
+<p:sld xmlns:a="http://schemas.openxmlformats.org/drawingml/2006/main" xmlns:r="http://schemas.openxmlformats.org/officeDocument/2006/relationships" xmlns:p="http://schemas.openxmlformats.org/presentationml/2006/main">
+  <p:cSld>
+    <p:spTree>
+      <p:nvGrpSpPr>
+        <p:cNvPr id="1" name=""/>
+        <p:cNvGrpSpPr/>
+        <p:nvPr/>
+      </p:nvGrpSpPr>
+      <p:grpSpPr>
+        <a:xfrm>
+          <a:off x="0" y="0"/>
+          <a:ext cx="0" cy="0"/>
+          <a:chOff x="0" y="0"/>
+          <a:chExt cx="0" cy="0"/>
+        </a:xfrm>
+      </p:grpSpPr>
+      <p:sp>
+        <p:nvSpPr>
+          <p:cNvPr id="2" name="TextBox 1">
+            <a:extLst>
+              <a:ext uri="{FF2B5EF4-FFF2-40B4-BE49-F238E27FC236}">
+                <a16:creationId xmlns:a16="http://schemas.microsoft.com/office/drawing/2014/main" id="{F856D79A-3ACB-B342-9DDF-5780DFB69C4E}"/>
+              </a:ext>
+            </a:extLst>
+          </p:cNvPr>
+          <p:cNvSpPr txBox="1"/>
+          <p:nvPr/>
+        </p:nvSpPr>
+        <p:spPr>
+          <a:xfrm>
+            <a:off x="704538" y="1124262"/>
+            <a:ext cx="9818557" cy="369332"/>
+          </a:xfrm>
+          <a:prstGeom prst="rect">
+            <a:avLst/>
+          </a:prstGeom>
+          <a:noFill/>
+        </p:spPr>
+        <p:txBody>
+          <a:bodyPr wrap="square" rtlCol="0">
+            <a:spAutoFit/>
+          </a:bodyPr>
+          <a:lstStyle/>
+          <a:p>
+            <a:r>
+              <a:rPr lang="en-US" dirty="0"/>
+              <a:t>Analyze the correlations between cyclones and impacting factors.</a:t>
+            </a:r>
+          </a:p>
+        </p:txBody>
+      </p:sp>
+      <p:sp>
+        <p:nvSpPr>
+          <p:cNvPr id="3" name="TextBox 2">
+            <a:extLst>
+              <a:ext uri="{FF2B5EF4-FFF2-40B4-BE49-F238E27FC236}">
+                <a16:creationId xmlns:a16="http://schemas.microsoft.com/office/drawing/2014/main" id="{41D7A37E-D136-9A45-A399-E6ADF1D52D01}"/>
+              </a:ext>
+            </a:extLst>
+          </p:cNvPr>
+          <p:cNvSpPr txBox="1"/>
+          <p:nvPr/>
+        </p:nvSpPr>
+        <p:spPr>
+          <a:xfrm>
+            <a:off x="704538" y="1948721"/>
+            <a:ext cx="7959777" cy="2031325"/>
+          </a:xfrm>
+          <a:prstGeom prst="rect">
+            <a:avLst/>
+          </a:prstGeom>
+          <a:noFill/>
+        </p:spPr>
+        <p:txBody>
+          <a:bodyPr wrap="square" rtlCol="0">
+            <a:spAutoFit/>
+          </a:bodyPr>
+          <a:lstStyle/>
+          <a:p>
+            <a:r>
+              <a:rPr lang="en-US" dirty="0"/>
+              <a:t>Question 1 – do hurricanes affect population rates, poverty rates, and property value? </a:t>
+            </a:r>
+          </a:p>
+          <a:p>
+            <a:pPr marL="285750" indent="-285750">
+              <a:buFont typeface="Arial" panose="020B0604020202020204" pitchFamily="34" charset="0"/>
+              <a:buChar char="•"/>
+            </a:pPr>
+            <a:r>
+              <a:rPr lang="en-US" dirty="0"/>
+              <a:t>We asked this question as we were curious of the impact hurricanes made to small and large cities.</a:t>
+            </a:r>
+          </a:p>
+          <a:p>
+            <a:pPr marL="285750" indent="-285750">
+              <a:buFont typeface="Arial" panose="020B0604020202020204" pitchFamily="34" charset="0"/>
+              <a:buChar char="•"/>
+            </a:pPr>
+            <a:r>
+              <a:rPr lang="en-US" dirty="0"/>
+              <a:t>We were able to answer these question to our satisfaction and found that hurricanes don’t necessarily affect those three. We expected there to be a negative impact across all three but found most improved or increased.</a:t>
+            </a:r>
+          </a:p>
+        </p:txBody>
+      </p:sp>
+      <p:sp>
+        <p:nvSpPr>
+          <p:cNvPr id="4" name="TextBox 3">
+            <a:extLst>
+              <a:ext uri="{FF2B5EF4-FFF2-40B4-BE49-F238E27FC236}">
+                <a16:creationId xmlns:a16="http://schemas.microsoft.com/office/drawing/2014/main" id="{453EE266-A884-3744-A12D-D833A5FE3094}"/>
+              </a:ext>
+            </a:extLst>
+          </p:cNvPr>
+          <p:cNvSpPr txBox="1"/>
+          <p:nvPr/>
+        </p:nvSpPr>
+        <p:spPr>
+          <a:xfrm>
+            <a:off x="539646" y="359764"/>
+            <a:ext cx="6835515" cy="369332"/>
+          </a:xfrm>
+          <a:prstGeom prst="rect">
+            <a:avLst/>
+          </a:prstGeom>
+          <a:noFill/>
+        </p:spPr>
+        <p:txBody>
+          <a:bodyPr wrap="square" rtlCol="0">
+            <a:spAutoFit/>
+          </a:bodyPr>
+          <a:lstStyle/>
+          <a:p>
+            <a:r>
+              <a:rPr lang="en-US" dirty="0"/>
+              <a:t>Motivation &amp; Summary</a:t>
+            </a:r>
+          </a:p>
+        </p:txBody>
+      </p:sp>
+    </p:spTree>
+    <p:extLst>
+      <p:ext uri="{BB962C8B-B14F-4D97-AF65-F5344CB8AC3E}">
+        <p14:creationId xmlns:p14="http://schemas.microsoft.com/office/powerpoint/2010/main" val="3591425165"/>
+      </p:ext>
+    </p:extLst>
+  </p:cSld>
+  <p:clrMapOvr>
+    <a:masterClrMapping/>
+  </p:clrMapOvr>
+</p:sld>
+</file>
+
+<file path=ppt/slides/slide5.xml><?xml version="1.0" encoding="utf-8"?>
+<p:sld xmlns:a="http://schemas.openxmlformats.org/drawingml/2006/main" xmlns:r="http://schemas.openxmlformats.org/officeDocument/2006/relationships" xmlns:p="http://schemas.openxmlformats.org/presentationml/2006/main">
+  <p:cSld>
+    <p:spTree>
+      <p:nvGrpSpPr>
+        <p:cNvPr id="1" name=""/>
+        <p:cNvGrpSpPr/>
+        <p:nvPr/>
+      </p:nvGrpSpPr>
+      <p:grpSpPr>
+        <a:xfrm>
+          <a:off x="0" y="0"/>
+          <a:ext cx="0" cy="0"/>
+          <a:chOff x="0" y="0"/>
+          <a:chExt cx="0" cy="0"/>
+        </a:xfrm>
+      </p:grpSpPr>
+      <p:sp>
+        <p:nvSpPr>
+          <p:cNvPr id="2" name="TextBox 1">
+            <a:extLst>
+              <a:ext uri="{FF2B5EF4-FFF2-40B4-BE49-F238E27FC236}">
+                <a16:creationId xmlns:a16="http://schemas.microsoft.com/office/drawing/2014/main" id="{7687CD03-5D67-F444-8C89-6B5CB3DFF949}"/>
+              </a:ext>
+            </a:extLst>
+          </p:cNvPr>
+          <p:cNvSpPr txBox="1"/>
+          <p:nvPr/>
+        </p:nvSpPr>
+        <p:spPr>
+          <a:xfrm>
+            <a:off x="959370" y="749508"/>
+            <a:ext cx="8619345" cy="2308324"/>
+          </a:xfrm>
+          <a:prstGeom prst="rect">
+            <a:avLst/>
+          </a:prstGeom>
+          <a:noFill/>
+        </p:spPr>
+        <p:txBody>
+          <a:bodyPr wrap="square" rtlCol="0">
+            <a:spAutoFit/>
+          </a:bodyPr>
+          <a:lstStyle/>
+          <a:p>
+            <a:r>
+              <a:rPr lang="en-US" dirty="0"/>
+              <a:t>Question 1 – do hurricanes affect population rates, poverty rates, and property value? </a:t>
+            </a:r>
+          </a:p>
+          <a:p>
+            <a:pPr marL="285750" indent="-285750">
+              <a:buFont typeface="Arial" panose="020B0604020202020204" pitchFamily="34" charset="0"/>
+              <a:buChar char="•"/>
+            </a:pPr>
+            <a:r>
+              <a:rPr lang="en-US" dirty="0"/>
+              <a:t>To analyze this data we used the Census API to pull Population, Poverty Count, and Median Home Value. </a:t>
+            </a:r>
+          </a:p>
+          <a:p>
+            <a:pPr marL="285750" indent="-285750">
+              <a:buFont typeface="Arial" panose="020B0604020202020204" pitchFamily="34" charset="0"/>
+              <a:buChar char="•"/>
+            </a:pPr>
+            <a:r>
+              <a:rPr lang="en-US" dirty="0"/>
+              <a:t>We narrowed our Hurricane Search to three 2017 Hurricanes that were part of the the top ten hurricanes that created the most damage in the past ten years – Irma, Maria, Harvey.</a:t>
+            </a:r>
+          </a:p>
+          <a:p>
+            <a:pPr marL="285750" indent="-285750">
+              <a:buFont typeface="Arial" panose="020B0604020202020204" pitchFamily="34" charset="0"/>
+              <a:buChar char="•"/>
+            </a:pPr>
+            <a:r>
+              <a:rPr lang="en-US" dirty="0"/>
+              <a:t>We then used three zip codes that were hit hardest by each hurricane to analyze their population, poverty count, and median home value in 2016 vs. 2018.</a:t>
+            </a:r>
+          </a:p>
+        </p:txBody>
+      </p:sp>
+      <p:sp>
+        <p:nvSpPr>
+          <p:cNvPr id="3" name="TextBox 2">
+            <a:extLst>
+              <a:ext uri="{FF2B5EF4-FFF2-40B4-BE49-F238E27FC236}">
+                <a16:creationId xmlns:a16="http://schemas.microsoft.com/office/drawing/2014/main" id="{4CCFE147-2CEE-9C4B-842A-830EFE728868}"/>
+              </a:ext>
+            </a:extLst>
+          </p:cNvPr>
+          <p:cNvSpPr txBox="1"/>
+          <p:nvPr/>
+        </p:nvSpPr>
+        <p:spPr>
+          <a:xfrm>
+            <a:off x="659567" y="164892"/>
+            <a:ext cx="5801194" cy="369332"/>
+          </a:xfrm>
+          <a:prstGeom prst="rect">
+            <a:avLst/>
+          </a:prstGeom>
+          <a:noFill/>
+        </p:spPr>
+        <p:txBody>
+          <a:bodyPr wrap="square" rtlCol="0">
+            <a:spAutoFit/>
+          </a:bodyPr>
+          <a:lstStyle/>
+          <a:p>
+            <a:r>
+              <a:rPr lang="en-US" dirty="0"/>
+              <a:t>Questions &amp; Data</a:t>
+            </a:r>
+          </a:p>
+        </p:txBody>
+      </p:sp>
+    </p:spTree>
+    <p:extLst>
+      <p:ext uri="{BB962C8B-B14F-4D97-AF65-F5344CB8AC3E}">
+        <p14:creationId xmlns:p14="http://schemas.microsoft.com/office/powerpoint/2010/main" val="3916887494"/>
+      </p:ext>
+    </p:extLst>
+  </p:cSld>
+  <p:clrMapOvr>
+    <a:masterClrMapping/>
+  </p:clrMapOvr>
+</p:sld>
+</file>
+
+<file path=ppt/slides/slide6.xml><?xml version="1.0" encoding="utf-8"?>
+<p:sld xmlns:a="http://schemas.openxmlformats.org/drawingml/2006/main" xmlns:r="http://schemas.openxmlformats.org/officeDocument/2006/relationships" xmlns:p="http://schemas.openxmlformats.org/presentationml/2006/main">
+  <p:cSld>
+    <p:spTree>
+      <p:nvGrpSpPr>
+        <p:cNvPr id="1" name=""/>
+        <p:cNvGrpSpPr/>
+        <p:nvPr/>
+      </p:nvGrpSpPr>
+      <p:grpSpPr>
+        <a:xfrm>
+          <a:off x="0" y="0"/>
+          <a:ext cx="0" cy="0"/>
+          <a:chOff x="0" y="0"/>
+          <a:chExt cx="0" cy="0"/>
+        </a:xfrm>
+      </p:grpSpPr>
+      <p:sp>
+        <p:nvSpPr>
+          <p:cNvPr id="2" name="TextBox 1">
+            <a:extLst>
+              <a:ext uri="{FF2B5EF4-FFF2-40B4-BE49-F238E27FC236}">
+                <a16:creationId xmlns:a16="http://schemas.microsoft.com/office/drawing/2014/main" id="{F4509968-1E25-9548-8F4B-D470F9289166}"/>
+              </a:ext>
+            </a:extLst>
+          </p:cNvPr>
+          <p:cNvSpPr txBox="1"/>
+          <p:nvPr/>
+        </p:nvSpPr>
+        <p:spPr>
+          <a:xfrm>
+            <a:off x="854439" y="479685"/>
+            <a:ext cx="6011056" cy="369332"/>
+          </a:xfrm>
+          <a:prstGeom prst="rect">
+            <a:avLst/>
+          </a:prstGeom>
+          <a:noFill/>
+        </p:spPr>
+        <p:txBody>
+          <a:bodyPr wrap="square" rtlCol="0">
+            <a:spAutoFit/>
+          </a:bodyPr>
+          <a:lstStyle/>
+          <a:p>
+            <a:r>
+              <a:rPr lang="en-US" dirty="0"/>
+              <a:t>Data Cleanup &amp; Exploration</a:t>
+            </a:r>
+          </a:p>
+        </p:txBody>
+      </p:sp>
+    </p:spTree>
+    <p:extLst>
+      <p:ext uri="{BB962C8B-B14F-4D97-AF65-F5344CB8AC3E}">
+        <p14:creationId xmlns:p14="http://schemas.microsoft.com/office/powerpoint/2010/main" val="1135629570"/>
+      </p:ext>
+    </p:extLst>
+  </p:cSld>
+  <p:clrMapOvr>
+    <a:masterClrMapping/>
+  </p:clrMapOvr>
+</p:sld>
+</file>
+
+<file path=ppt/slides/slide7.xml><?xml version="1.0" encoding="utf-8"?>
+<p:sld xmlns:a="http://schemas.openxmlformats.org/drawingml/2006/main" xmlns:r="http://schemas.openxmlformats.org/officeDocument/2006/relationships" xmlns:p="http://schemas.openxmlformats.org/presentationml/2006/main">
+  <p:cSld>
+    <p:spTree>
+      <p:nvGrpSpPr>
+        <p:cNvPr id="1" name=""/>
+        <p:cNvGrpSpPr/>
+        <p:nvPr/>
+      </p:nvGrpSpPr>
+      <p:grpSpPr>
+        <a:xfrm>
+          <a:off x="0" y="0"/>
+          <a:ext cx="0" cy="0"/>
+          <a:chOff x="0" y="0"/>
+          <a:chExt cx="0" cy="0"/>
+        </a:xfrm>
+      </p:grpSpPr>
+      <p:pic>
+        <p:nvPicPr>
+          <p:cNvPr id="3" name="Picture 2" descr="A screenshot of a cell phone&#10;&#10;Description automatically generated">
+            <a:extLst>
+              <a:ext uri="{FF2B5EF4-FFF2-40B4-BE49-F238E27FC236}">
+                <a16:creationId xmlns:a16="http://schemas.microsoft.com/office/drawing/2014/main" id="{6882C996-BB5A-C84A-BB7B-C727BD012F66}"/>
+              </a:ext>
+            </a:extLst>
+          </p:cNvPr>
+          <p:cNvPicPr>
+            <a:picLocks noChangeAspect="1"/>
+          </p:cNvPicPr>
+          <p:nvPr/>
+        </p:nvPicPr>
+        <p:blipFill>
+          <a:blip r:embed="rId3">
+            <a:extLst>
+              <a:ext uri="{28A0092B-C50C-407E-A947-70E740481C1C}">
+                <a14:useLocalDpi xmlns:a14="http://schemas.microsoft.com/office/drawing/2010/main" val="0"/>
+              </a:ext>
+            </a:extLst>
+          </a:blip>
+          <a:stretch>
+            <a:fillRect/>
+          </a:stretch>
+        </p:blipFill>
+        <p:spPr>
+          <a:xfrm>
+            <a:off x="5920490" y="3642609"/>
+            <a:ext cx="4407108" cy="2938072"/>
+          </a:xfrm>
+          <a:prstGeom prst="rect">
+            <a:avLst/>
+          </a:prstGeom>
+        </p:spPr>
+      </p:pic>
+      <p:pic>
+        <p:nvPicPr>
+          <p:cNvPr id="5" name="Picture 4" descr="A screenshot of a cell phone&#10;&#10;Description automatically generated">
+            <a:extLst>
+              <a:ext uri="{FF2B5EF4-FFF2-40B4-BE49-F238E27FC236}">
+                <a16:creationId xmlns:a16="http://schemas.microsoft.com/office/drawing/2014/main" id="{83E3D1F7-EB88-B84B-93C3-CA3A2AB56C09}"/>
+              </a:ext>
+            </a:extLst>
+          </p:cNvPr>
+          <p:cNvPicPr>
+            <a:picLocks noChangeAspect="1"/>
+          </p:cNvPicPr>
+          <p:nvPr/>
+        </p:nvPicPr>
+        <p:blipFill>
+          <a:blip r:embed="rId4">
+            <a:extLst>
+              <a:ext uri="{28A0092B-C50C-407E-A947-70E740481C1C}">
+                <a14:useLocalDpi xmlns:a14="http://schemas.microsoft.com/office/drawing/2010/main" val="0"/>
+              </a:ext>
+            </a:extLst>
+          </a:blip>
+          <a:stretch>
+            <a:fillRect/>
+          </a:stretch>
+        </p:blipFill>
+        <p:spPr>
+          <a:xfrm>
+            <a:off x="7146250" y="277319"/>
+            <a:ext cx="4407108" cy="2938071"/>
+          </a:xfrm>
+          <a:prstGeom prst="rect">
+            <a:avLst/>
+          </a:prstGeom>
+        </p:spPr>
+      </p:pic>
+      <p:pic>
+        <p:nvPicPr>
+          <p:cNvPr id="7" name="Picture 6" descr="A screenshot of a cell phone&#10;&#10;Description automatically generated">
+            <a:extLst>
+              <a:ext uri="{FF2B5EF4-FFF2-40B4-BE49-F238E27FC236}">
+                <a16:creationId xmlns:a16="http://schemas.microsoft.com/office/drawing/2014/main" id="{57D9C084-F508-5948-8504-7BEF430C7CAD}"/>
+              </a:ext>
+            </a:extLst>
+          </p:cNvPr>
+          <p:cNvPicPr>
+            <a:picLocks noChangeAspect="1"/>
+          </p:cNvPicPr>
+          <p:nvPr/>
+        </p:nvPicPr>
+        <p:blipFill>
+          <a:blip r:embed="rId5">
+            <a:extLst>
+              <a:ext uri="{28A0092B-C50C-407E-A947-70E740481C1C}">
+                <a14:useLocalDpi xmlns:a14="http://schemas.microsoft.com/office/drawing/2010/main" val="0"/>
+              </a:ext>
+            </a:extLst>
+          </a:blip>
+          <a:stretch>
+            <a:fillRect/>
+          </a:stretch>
+        </p:blipFill>
+        <p:spPr>
+          <a:xfrm>
+            <a:off x="621779" y="3642610"/>
+            <a:ext cx="4407108" cy="2938072"/>
+          </a:xfrm>
+          <a:prstGeom prst="rect">
+            <a:avLst/>
+          </a:prstGeom>
+        </p:spPr>
+      </p:pic>
+      <p:sp>
+        <p:nvSpPr>
+          <p:cNvPr id="8" name="TextBox 7">
+            <a:extLst>
+              <a:ext uri="{FF2B5EF4-FFF2-40B4-BE49-F238E27FC236}">
+                <a16:creationId xmlns:a16="http://schemas.microsoft.com/office/drawing/2014/main" id="{1F76218A-DB20-0345-95D1-23B831A06AC6}"/>
+              </a:ext>
+            </a:extLst>
+          </p:cNvPr>
+          <p:cNvSpPr txBox="1"/>
+          <p:nvPr/>
+        </p:nvSpPr>
+        <p:spPr>
+          <a:xfrm>
+            <a:off x="734518" y="277319"/>
+            <a:ext cx="3777521" cy="369332"/>
+          </a:xfrm>
+          <a:prstGeom prst="rect">
+            <a:avLst/>
+          </a:prstGeom>
+          <a:noFill/>
+        </p:spPr>
+        <p:txBody>
+          <a:bodyPr wrap="square" rtlCol="0">
+            <a:spAutoFit/>
+          </a:bodyPr>
+          <a:lstStyle/>
+          <a:p>
+            <a:r>
+              <a:rPr lang="en-US" dirty="0"/>
+              <a:t>Data Analysis</a:t>
+            </a:r>
+          </a:p>
+        </p:txBody>
+      </p:sp>
+      <p:sp>
+        <p:nvSpPr>
+          <p:cNvPr id="9" name="TextBox 8">
+            <a:extLst>
+              <a:ext uri="{FF2B5EF4-FFF2-40B4-BE49-F238E27FC236}">
+                <a16:creationId xmlns:a16="http://schemas.microsoft.com/office/drawing/2014/main" id="{5B115CA0-28E5-1245-A59F-1E8A70F18DBC}"/>
+              </a:ext>
+            </a:extLst>
+          </p:cNvPr>
+          <p:cNvSpPr txBox="1"/>
+          <p:nvPr/>
+        </p:nvSpPr>
+        <p:spPr>
+          <a:xfrm>
+            <a:off x="869430" y="646651"/>
+            <a:ext cx="5681272" cy="3231654"/>
+          </a:xfrm>
+          <a:prstGeom prst="rect">
+            <a:avLst/>
+          </a:prstGeom>
+          <a:noFill/>
+        </p:spPr>
+        <p:txBody>
+          <a:bodyPr wrap="square" rtlCol="0">
+            <a:spAutoFit/>
+          </a:bodyPr>
+          <a:lstStyle/>
+          <a:p>
+            <a:pPr marL="285750" indent="-285750">
+              <a:buFont typeface="Arial" panose="020B0604020202020204" pitchFamily="34" charset="0"/>
+              <a:buChar char="•"/>
+            </a:pPr>
+            <a:r>
+              <a:rPr lang="en-US" sz="1700" dirty="0"/>
+              <a:t>Analyzed Population Bar Graph – found that population decreased after Hurricane Maria but for other storms it either dipped slightly, stayed the same or increased</a:t>
+            </a:r>
+          </a:p>
+          <a:p>
+            <a:pPr marL="285750" indent="-285750">
+              <a:buFont typeface="Arial" panose="020B0604020202020204" pitchFamily="34" charset="0"/>
+              <a:buChar char="•"/>
+            </a:pPr>
+            <a:r>
+              <a:rPr lang="en-US" sz="1700" dirty="0"/>
+              <a:t>Analyzed Poverty Count Bar Graph – Except for two zip codes in Florida, overall Poverty Count decreased. It could be assumed though with the drop in Population in PR the Poverty Count also decreased as there is a correlation.</a:t>
+            </a:r>
+          </a:p>
+          <a:p>
+            <a:pPr marL="285750" indent="-285750">
+              <a:buFont typeface="Arial" panose="020B0604020202020204" pitchFamily="34" charset="0"/>
+              <a:buChar char="•"/>
+            </a:pPr>
+            <a:r>
+              <a:rPr lang="en-US" sz="1700" dirty="0"/>
+              <a:t>Analyzed Median Home Value and found it interesting that home value increased significantly in Florida after Hurricane Irma. Expected the Texas zip codes to have a drop in Home Values in 2018 since they had heavy flooding.</a:t>
+            </a:r>
+          </a:p>
+        </p:txBody>
+      </p:sp>
+    </p:spTree>
+    <p:extLst>
+      <p:ext uri="{BB962C8B-B14F-4D97-AF65-F5344CB8AC3E}">
+        <p14:creationId xmlns:p14="http://schemas.microsoft.com/office/powerpoint/2010/main" val="110253954"/>
+      </p:ext>
+    </p:extLst>
+  </p:cSld>
+  <p:clrMapOvr>
+    <a:masterClrMapping/>
+  </p:clrMapOvr>
+</p:sld>
+</file>
+
+<file path=ppt/slides/slide8.xml><?xml version="1.0" encoding="utf-8"?>
+<p:sld xmlns:a="http://schemas.openxmlformats.org/drawingml/2006/main" xmlns:r="http://schemas.openxmlformats.org/officeDocument/2006/relationships" xmlns:p="http://schemas.openxmlformats.org/presentationml/2006/main">
+  <p:cSld>
+    <p:spTree>
+      <p:nvGrpSpPr>
+        <p:cNvPr id="1" name=""/>
+        <p:cNvGrpSpPr/>
+        <p:nvPr/>
+      </p:nvGrpSpPr>
+      <p:grpSpPr>
+        <a:xfrm>
+          <a:off x="0" y="0"/>
+          <a:ext cx="0" cy="0"/>
+          <a:chOff x="0" y="0"/>
+          <a:chExt cx="0" cy="0"/>
+        </a:xfrm>
+      </p:grpSpPr>
+      <p:sp>
+        <p:nvSpPr>
+          <p:cNvPr id="2" name="TextBox 1">
+            <a:extLst>
+              <a:ext uri="{FF2B5EF4-FFF2-40B4-BE49-F238E27FC236}">
+                <a16:creationId xmlns:a16="http://schemas.microsoft.com/office/drawing/2014/main" id="{EC559BC0-BEFD-5444-879B-CC1F863DEC97}"/>
+              </a:ext>
+            </a:extLst>
+          </p:cNvPr>
+          <p:cNvSpPr txBox="1"/>
+          <p:nvPr/>
+        </p:nvSpPr>
+        <p:spPr>
+          <a:xfrm>
+            <a:off x="1184223" y="914400"/>
+            <a:ext cx="8604354" cy="369332"/>
+          </a:xfrm>
+          <a:prstGeom prst="rect">
+            <a:avLst/>
+          </a:prstGeom>
+          <a:noFill/>
+        </p:spPr>
+        <p:txBody>
+          <a:bodyPr wrap="square" rtlCol="0">
+            <a:spAutoFit/>
+          </a:bodyPr>
+          <a:lstStyle/>
+          <a:p>
+            <a:r>
+              <a:rPr lang="en-US" dirty="0"/>
+              <a:t>Discussion of Findings</a:t>
+            </a:r>
+          </a:p>
+        </p:txBody>
+      </p:sp>
+      <p:sp>
+        <p:nvSpPr>
+          <p:cNvPr id="3" name="TextBox 2">
+            <a:extLst>
+              <a:ext uri="{FF2B5EF4-FFF2-40B4-BE49-F238E27FC236}">
+                <a16:creationId xmlns:a16="http://schemas.microsoft.com/office/drawing/2014/main" id="{B9FFF7D9-B9F9-374A-A4BF-7E132DDFB422}"/>
+              </a:ext>
+            </a:extLst>
+          </p:cNvPr>
+          <p:cNvSpPr txBox="1"/>
+          <p:nvPr/>
+        </p:nvSpPr>
+        <p:spPr>
+          <a:xfrm>
+            <a:off x="1184223" y="1528997"/>
+            <a:ext cx="9443803" cy="1754326"/>
+          </a:xfrm>
+          <a:prstGeom prst="rect">
+            <a:avLst/>
+          </a:prstGeom>
+          <a:noFill/>
+        </p:spPr>
+        <p:txBody>
+          <a:bodyPr wrap="square" rtlCol="0">
+            <a:spAutoFit/>
+          </a:bodyPr>
+          <a:lstStyle/>
+          <a:p>
+            <a:pPr marL="285750" indent="-285750">
+              <a:buFont typeface="Arial" panose="020B0604020202020204" pitchFamily="34" charset="0"/>
+              <a:buChar char="•"/>
+            </a:pPr>
+            <a:r>
+              <a:rPr lang="en-US" dirty="0"/>
+              <a:t>Census data:</a:t>
+            </a:r>
+          </a:p>
+          <a:p>
+            <a:pPr marL="742950" lvl="1" indent="-285750">
+              <a:buFont typeface="Arial" panose="020B0604020202020204" pitchFamily="34" charset="0"/>
+              <a:buChar char="•"/>
+            </a:pPr>
+            <a:r>
+              <a:rPr lang="en-US" dirty="0"/>
+              <a:t>Expected to find that hurricanes negatively affected population, median home value and poverty count based on the destruction and damage they cause.</a:t>
+            </a:r>
+          </a:p>
+          <a:p>
+            <a:pPr marL="742950" lvl="1" indent="-285750">
+              <a:buFont typeface="Arial" panose="020B0604020202020204" pitchFamily="34" charset="0"/>
+              <a:buChar char="•"/>
+            </a:pPr>
+            <a:r>
+              <a:rPr lang="en-US" dirty="0"/>
+              <a:t>Found, overall across the board, they didn’t have a huge impact on those three items. Generally population still went up, median home value went up or stayed the same, and poverty count decreased in the zip codes we analyzed.</a:t>
+            </a:r>
+          </a:p>
+        </p:txBody>
+      </p:sp>
+    </p:spTree>
+    <p:extLst>
+      <p:ext uri="{BB962C8B-B14F-4D97-AF65-F5344CB8AC3E}">
+        <p14:creationId xmlns:p14="http://schemas.microsoft.com/office/powerpoint/2010/main" val="4166273631"/>
+      </p:ext>
+    </p:extLst>
+  </p:cSld>
+  <p:clrMapOvr>
+    <a:masterClrMapping/>
+  </p:clrMapOvr>
+</p:sld>
+</file>
+
+<file path=ppt/slides/slide9.xml><?xml version="1.0" encoding="utf-8"?>
+<p:sld xmlns:a="http://schemas.openxmlformats.org/drawingml/2006/main" xmlns:r="http://schemas.openxmlformats.org/officeDocument/2006/relationships" xmlns:p="http://schemas.openxmlformats.org/presentationml/2006/main">
+  <p:cSld>
+    <p:spTree>
+      <p:nvGrpSpPr>
+        <p:cNvPr id="1" name=""/>
+        <p:cNvGrpSpPr/>
+        <p:nvPr/>
+      </p:nvGrpSpPr>
+      <p:grpSpPr>
+        <a:xfrm>
+          <a:off x="0" y="0"/>
+          <a:ext cx="0" cy="0"/>
+          <a:chOff x="0" y="0"/>
+          <a:chExt cx="0" cy="0"/>
+        </a:xfrm>
+      </p:grpSpPr>
+      <p:sp>
+        <p:nvSpPr>
+          <p:cNvPr id="2" name="TextBox 1">
+            <a:extLst>
+              <a:ext uri="{FF2B5EF4-FFF2-40B4-BE49-F238E27FC236}">
+                <a16:creationId xmlns:a16="http://schemas.microsoft.com/office/drawing/2014/main" id="{01031D79-7C93-E244-9BD6-98FCDDA52630}"/>
+              </a:ext>
+            </a:extLst>
+          </p:cNvPr>
+          <p:cNvSpPr txBox="1"/>
+          <p:nvPr/>
+        </p:nvSpPr>
+        <p:spPr>
+          <a:xfrm>
+            <a:off x="944380" y="689548"/>
+            <a:ext cx="6400800" cy="923330"/>
+          </a:xfrm>
+          <a:prstGeom prst="rect">
+            <a:avLst/>
+          </a:prstGeom>
+          <a:noFill/>
+        </p:spPr>
+        <p:txBody>
+          <a:bodyPr wrap="square" rtlCol="0">
+            <a:spAutoFit/>
+          </a:bodyPr>
+          <a:lstStyle/>
+          <a:p>
+            <a:r>
+              <a:rPr lang="en-US" dirty="0"/>
+              <a:t>Difficulties that arose:</a:t>
+            </a:r>
+          </a:p>
+          <a:p>
+            <a:pPr marL="285750" indent="-285750">
+              <a:buFont typeface="Arial" panose="020B0604020202020204" pitchFamily="34" charset="0"/>
+              <a:buChar char="•"/>
+            </a:pPr>
+            <a:r>
+              <a:rPr lang="en-US" dirty="0"/>
+              <a:t>Difficult to find accessible hurricane data</a:t>
+            </a:r>
+          </a:p>
+          <a:p>
+            <a:pPr marL="285750" indent="-285750">
+              <a:buFont typeface="Arial" panose="020B0604020202020204" pitchFamily="34" charset="0"/>
+              <a:buChar char="•"/>
+            </a:pPr>
+            <a:r>
+              <a:rPr lang="en-US" dirty="0"/>
+              <a:t>Difficult to find the correct data that supported our questions</a:t>
+            </a:r>
+          </a:p>
+        </p:txBody>
+      </p:sp>
+      <p:sp>
+        <p:nvSpPr>
+          <p:cNvPr id="3" name="TextBox 2">
+            <a:extLst>
+              <a:ext uri="{FF2B5EF4-FFF2-40B4-BE49-F238E27FC236}">
+                <a16:creationId xmlns:a16="http://schemas.microsoft.com/office/drawing/2014/main" id="{03BB7F34-D243-0448-B93A-92186D19BFF7}"/>
+              </a:ext>
+            </a:extLst>
+          </p:cNvPr>
+          <p:cNvSpPr txBox="1"/>
+          <p:nvPr/>
+        </p:nvSpPr>
+        <p:spPr>
+          <a:xfrm>
+            <a:off x="1064302" y="2758190"/>
+            <a:ext cx="6940446" cy="646331"/>
+          </a:xfrm>
+          <a:prstGeom prst="rect">
+            <a:avLst/>
+          </a:prstGeom>
+          <a:noFill/>
+        </p:spPr>
+        <p:txBody>
+          <a:bodyPr wrap="square" rtlCol="0">
+            <a:spAutoFit/>
+          </a:bodyPr>
+          <a:lstStyle/>
+          <a:p>
+            <a:r>
+              <a:rPr lang="en-US" dirty="0"/>
+              <a:t>Additional questions/research if we had two weeks:</a:t>
+            </a:r>
+          </a:p>
+          <a:p>
+            <a:pPr marL="285750" indent="-285750">
+              <a:buFont typeface="Arial" panose="020B0604020202020204" pitchFamily="34" charset="0"/>
+              <a:buChar char="•"/>
+            </a:pPr>
+            <a:r>
+              <a:rPr lang="en-US" dirty="0"/>
+              <a:t>Expand the hurricanes we researched for census data</a:t>
+            </a:r>
+          </a:p>
+        </p:txBody>
+      </p:sp>
+      <p:sp>
+        <p:nvSpPr>
+          <p:cNvPr id="4" name="TextBox 3">
+            <a:extLst>
+              <a:ext uri="{FF2B5EF4-FFF2-40B4-BE49-F238E27FC236}">
+                <a16:creationId xmlns:a16="http://schemas.microsoft.com/office/drawing/2014/main" id="{9DBA7788-DF30-5B49-BD38-DC5AD0A84CC2}"/>
+              </a:ext>
+            </a:extLst>
+          </p:cNvPr>
+          <p:cNvSpPr txBox="1"/>
+          <p:nvPr/>
+        </p:nvSpPr>
+        <p:spPr>
+          <a:xfrm>
+            <a:off x="944380" y="239843"/>
+            <a:ext cx="3312827" cy="369332"/>
+          </a:xfrm>
+          <a:prstGeom prst="rect">
+            <a:avLst/>
+          </a:prstGeom>
+          <a:noFill/>
+        </p:spPr>
+        <p:txBody>
+          <a:bodyPr wrap="square" rtlCol="0">
+            <a:spAutoFit/>
+          </a:bodyPr>
+          <a:lstStyle/>
+          <a:p>
+            <a:r>
+              <a:rPr lang="en-US" dirty="0"/>
+              <a:t>Postmortem</a:t>
+            </a:r>
+          </a:p>
+        </p:txBody>
+      </p:sp>
+    </p:spTree>
+    <p:extLst>
+      <p:ext uri="{BB962C8B-B14F-4D97-AF65-F5344CB8AC3E}">
+        <p14:creationId xmlns:p14="http://schemas.microsoft.com/office/powerpoint/2010/main" val="607156634"/>
       </p:ext>
     </p:extLst>
   </p:cSld>

--- a/HurriPy.pptx
+++ b/HurriPy.pptx
@@ -10512,114 +10512,6 @@
           <a:chExt cx="0" cy="0"/>
         </a:xfrm>
       </p:grpSpPr>
-      <p:pic>
-        <p:nvPicPr>
-          <p:cNvPr id="3" name="Picture 2" descr="A screenshot of a cell phone&#10;&#10;Description automatically generated">
-            <a:extLst>
-              <a:ext uri="{FF2B5EF4-FFF2-40B4-BE49-F238E27FC236}">
-                <a16:creationId xmlns:a16="http://schemas.microsoft.com/office/drawing/2014/main" id="{6882C996-BB5A-C84A-BB7B-C727BD012F66}"/>
-              </a:ext>
-            </a:extLst>
-          </p:cNvPr>
-          <p:cNvPicPr>
-            <a:picLocks noChangeAspect="1"/>
-          </p:cNvPicPr>
-          <p:nvPr/>
-        </p:nvPicPr>
-        <p:blipFill>
-          <a:blip r:embed="rId3">
-            <a:extLst>
-              <a:ext uri="{28A0092B-C50C-407E-A947-70E740481C1C}">
-                <a14:useLocalDpi xmlns:a14="http://schemas.microsoft.com/office/drawing/2010/main" val="0"/>
-              </a:ext>
-            </a:extLst>
-          </a:blip>
-          <a:stretch>
-            <a:fillRect/>
-          </a:stretch>
-        </p:blipFill>
-        <p:spPr>
-          <a:xfrm>
-            <a:off x="5920490" y="3642609"/>
-            <a:ext cx="4407108" cy="2938072"/>
-          </a:xfrm>
-          <a:prstGeom prst="rect">
-            <a:avLst/>
-          </a:prstGeom>
-        </p:spPr>
-      </p:pic>
-      <p:pic>
-        <p:nvPicPr>
-          <p:cNvPr id="5" name="Picture 4" descr="A screenshot of a cell phone&#10;&#10;Description automatically generated">
-            <a:extLst>
-              <a:ext uri="{FF2B5EF4-FFF2-40B4-BE49-F238E27FC236}">
-                <a16:creationId xmlns:a16="http://schemas.microsoft.com/office/drawing/2014/main" id="{83E3D1F7-EB88-B84B-93C3-CA3A2AB56C09}"/>
-              </a:ext>
-            </a:extLst>
-          </p:cNvPr>
-          <p:cNvPicPr>
-            <a:picLocks noChangeAspect="1"/>
-          </p:cNvPicPr>
-          <p:nvPr/>
-        </p:nvPicPr>
-        <p:blipFill>
-          <a:blip r:embed="rId4">
-            <a:extLst>
-              <a:ext uri="{28A0092B-C50C-407E-A947-70E740481C1C}">
-                <a14:useLocalDpi xmlns:a14="http://schemas.microsoft.com/office/drawing/2010/main" val="0"/>
-              </a:ext>
-            </a:extLst>
-          </a:blip>
-          <a:stretch>
-            <a:fillRect/>
-          </a:stretch>
-        </p:blipFill>
-        <p:spPr>
-          <a:xfrm>
-            <a:off x="7146250" y="277319"/>
-            <a:ext cx="4407108" cy="2938071"/>
-          </a:xfrm>
-          <a:prstGeom prst="rect">
-            <a:avLst/>
-          </a:prstGeom>
-        </p:spPr>
-      </p:pic>
-      <p:pic>
-        <p:nvPicPr>
-          <p:cNvPr id="7" name="Picture 6" descr="A screenshot of a cell phone&#10;&#10;Description automatically generated">
-            <a:extLst>
-              <a:ext uri="{FF2B5EF4-FFF2-40B4-BE49-F238E27FC236}">
-                <a16:creationId xmlns:a16="http://schemas.microsoft.com/office/drawing/2014/main" id="{57D9C084-F508-5948-8504-7BEF430C7CAD}"/>
-              </a:ext>
-            </a:extLst>
-          </p:cNvPr>
-          <p:cNvPicPr>
-            <a:picLocks noChangeAspect="1"/>
-          </p:cNvPicPr>
-          <p:nvPr/>
-        </p:nvPicPr>
-        <p:blipFill>
-          <a:blip r:embed="rId5">
-            <a:extLst>
-              <a:ext uri="{28A0092B-C50C-407E-A947-70E740481C1C}">
-                <a14:useLocalDpi xmlns:a14="http://schemas.microsoft.com/office/drawing/2010/main" val="0"/>
-              </a:ext>
-            </a:extLst>
-          </a:blip>
-          <a:stretch>
-            <a:fillRect/>
-          </a:stretch>
-        </p:blipFill>
-        <p:spPr>
-          <a:xfrm>
-            <a:off x="621779" y="3642610"/>
-            <a:ext cx="4407108" cy="2938072"/>
-          </a:xfrm>
-          <a:prstGeom prst="rect">
-            <a:avLst/>
-          </a:prstGeom>
-        </p:spPr>
-      </p:pic>
       <p:sp>
         <p:nvSpPr>
           <p:cNvPr id="8" name="TextBox 7">
@@ -10714,6 +10606,114 @@
           </a:p>
         </p:txBody>
       </p:sp>
+      <p:pic>
+        <p:nvPicPr>
+          <p:cNvPr id="4" name="Picture 3" descr="A screenshot of a cell phone&#10;&#10;Description automatically generated">
+            <a:extLst>
+              <a:ext uri="{FF2B5EF4-FFF2-40B4-BE49-F238E27FC236}">
+                <a16:creationId xmlns:a16="http://schemas.microsoft.com/office/drawing/2014/main" id="{13246E5E-658D-BC4E-82D8-E2665766B620}"/>
+              </a:ext>
+            </a:extLst>
+          </p:cNvPr>
+          <p:cNvPicPr>
+            <a:picLocks noChangeAspect="1"/>
+          </p:cNvPicPr>
+          <p:nvPr/>
+        </p:nvPicPr>
+        <p:blipFill>
+          <a:blip r:embed="rId3">
+            <a:extLst>
+              <a:ext uri="{28A0092B-C50C-407E-A947-70E740481C1C}">
+                <a14:useLocalDpi xmlns:a14="http://schemas.microsoft.com/office/drawing/2010/main" val="0"/>
+              </a:ext>
+            </a:extLst>
+          </a:blip>
+          <a:stretch>
+            <a:fillRect/>
+          </a:stretch>
+        </p:blipFill>
+        <p:spPr>
+          <a:xfrm>
+            <a:off x="201742" y="3790783"/>
+            <a:ext cx="4310297" cy="2885707"/>
+          </a:xfrm>
+          <a:prstGeom prst="rect">
+            <a:avLst/>
+          </a:prstGeom>
+        </p:spPr>
+      </p:pic>
+      <p:pic>
+        <p:nvPicPr>
+          <p:cNvPr id="10" name="Picture 9" descr="A screenshot of a cell phone&#10;&#10;Description automatically generated">
+            <a:extLst>
+              <a:ext uri="{FF2B5EF4-FFF2-40B4-BE49-F238E27FC236}">
+                <a16:creationId xmlns:a16="http://schemas.microsoft.com/office/drawing/2014/main" id="{E4AB45BC-D178-E14F-97FD-29FE1EE42F09}"/>
+              </a:ext>
+            </a:extLst>
+          </p:cNvPr>
+          <p:cNvPicPr>
+            <a:picLocks noChangeAspect="1"/>
+          </p:cNvPicPr>
+          <p:nvPr/>
+        </p:nvPicPr>
+        <p:blipFill>
+          <a:blip r:embed="rId4">
+            <a:extLst>
+              <a:ext uri="{28A0092B-C50C-407E-A947-70E740481C1C}">
+                <a14:useLocalDpi xmlns:a14="http://schemas.microsoft.com/office/drawing/2010/main" val="0"/>
+              </a:ext>
+            </a:extLst>
+          </a:blip>
+          <a:stretch>
+            <a:fillRect/>
+          </a:stretch>
+        </p:blipFill>
+        <p:spPr>
+          <a:xfrm>
+            <a:off x="4193968" y="3379725"/>
+            <a:ext cx="4983292" cy="3426013"/>
+          </a:xfrm>
+          <a:prstGeom prst="rect">
+            <a:avLst/>
+          </a:prstGeom>
+        </p:spPr>
+      </p:pic>
+      <p:pic>
+        <p:nvPicPr>
+          <p:cNvPr id="12" name="Picture 11" descr="A screenshot of a cell phone&#10;&#10;Description automatically generated">
+            <a:extLst>
+              <a:ext uri="{FF2B5EF4-FFF2-40B4-BE49-F238E27FC236}">
+                <a16:creationId xmlns:a16="http://schemas.microsoft.com/office/drawing/2014/main" id="{631456B7-1A0E-1B49-8A91-9BB8C0CC8D73}"/>
+              </a:ext>
+            </a:extLst>
+          </p:cNvPr>
+          <p:cNvPicPr>
+            <a:picLocks noChangeAspect="1"/>
+          </p:cNvPicPr>
+          <p:nvPr/>
+        </p:nvPicPr>
+        <p:blipFill>
+          <a:blip r:embed="rId5">
+            <a:extLst>
+              <a:ext uri="{28A0092B-C50C-407E-A947-70E740481C1C}">
+                <a14:useLocalDpi xmlns:a14="http://schemas.microsoft.com/office/drawing/2010/main" val="0"/>
+              </a:ext>
+            </a:extLst>
+          </a:blip>
+          <a:stretch>
+            <a:fillRect/>
+          </a:stretch>
+        </p:blipFill>
+        <p:spPr>
+          <a:xfrm>
+            <a:off x="6930316" y="461985"/>
+            <a:ext cx="4706974" cy="3231654"/>
+          </a:xfrm>
+          <a:prstGeom prst="rect">
+            <a:avLst/>
+          </a:prstGeom>
+        </p:spPr>
+      </p:pic>
     </p:spTree>
     <p:extLst>
       <p:ext uri="{BB962C8B-B14F-4D97-AF65-F5344CB8AC3E}">
